--- a/ext_tutorial/src/main/resources/Sencha Ext-js 4.pptx
+++ b/ext_tutorial/src/main/resources/Sencha Ext-js 4.pptx
@@ -15,10 +15,12 @@
     <p:sldId id="262" r:id="rId9"/>
     <p:sldId id="263" r:id="rId10"/>
     <p:sldId id="269" r:id="rId11"/>
-    <p:sldId id="268" r:id="rId12"/>
-    <p:sldId id="265" r:id="rId13"/>
-    <p:sldId id="267" r:id="rId14"/>
-    <p:sldId id="266" r:id="rId15"/>
+    <p:sldId id="270" r:id="rId12"/>
+    <p:sldId id="268" r:id="rId13"/>
+    <p:sldId id="265" r:id="rId14"/>
+    <p:sldId id="271" r:id="rId15"/>
+    <p:sldId id="267" r:id="rId16"/>
+    <p:sldId id="266" r:id="rId17"/>
   </p:sldIdLst>
   <p:sldSz cx="12192000" cy="6858000"/>
   <p:notesSz cx="6858000" cy="9144000"/>
@@ -399,7 +401,7 @@
           <a:p>
             <a:fld id="{4C472495-FAE9-41D7-9798-712FF72FB955}" type="datetimeFigureOut">
               <a:rPr lang="ko-KR" altLang="en-US" smtClean="0"/>
-              <a:t>2014-02-13</a:t>
+              <a:t>2014-02-18</a:t>
             </a:fld>
             <a:endParaRPr lang="ko-KR" altLang="en-US"/>
           </a:p>
@@ -813,7 +815,7 @@
           <a:p>
             <a:fld id="{4C472495-FAE9-41D7-9798-712FF72FB955}" type="datetimeFigureOut">
               <a:rPr lang="ko-KR" altLang="en-US" smtClean="0"/>
-              <a:t>2014-02-13</a:t>
+              <a:t>2014-02-18</a:t>
             </a:fld>
             <a:endParaRPr lang="ko-KR" altLang="en-US"/>
           </a:p>
@@ -1149,7 +1151,7 @@
           <a:p>
             <a:fld id="{4C472495-FAE9-41D7-9798-712FF72FB955}" type="datetimeFigureOut">
               <a:rPr lang="ko-KR" altLang="en-US" smtClean="0"/>
-              <a:t>2014-02-13</a:t>
+              <a:t>2014-02-18</a:t>
             </a:fld>
             <a:endParaRPr lang="ko-KR" altLang="en-US"/>
           </a:p>
@@ -1554,7 +1556,7 @@
           <a:p>
             <a:fld id="{4C472495-FAE9-41D7-9798-712FF72FB955}" type="datetimeFigureOut">
               <a:rPr lang="ko-KR" altLang="en-US" smtClean="0"/>
-              <a:t>2014-02-13</a:t>
+              <a:t>2014-02-18</a:t>
             </a:fld>
             <a:endParaRPr lang="ko-KR" altLang="en-US"/>
           </a:p>
@@ -2122,7 +2124,7 @@
           <a:p>
             <a:fld id="{4C472495-FAE9-41D7-9798-712FF72FB955}" type="datetimeFigureOut">
               <a:rPr lang="ko-KR" altLang="en-US" smtClean="0"/>
-              <a:t>2014-02-13</a:t>
+              <a:t>2014-02-18</a:t>
             </a:fld>
             <a:endParaRPr lang="ko-KR" altLang="en-US"/>
           </a:p>
@@ -2803,7 +2805,7 @@
           <a:p>
             <a:fld id="{4C472495-FAE9-41D7-9798-712FF72FB955}" type="datetimeFigureOut">
               <a:rPr lang="ko-KR" altLang="en-US" smtClean="0"/>
-              <a:t>2014-02-13</a:t>
+              <a:t>2014-02-18</a:t>
             </a:fld>
             <a:endParaRPr lang="ko-KR" altLang="en-US"/>
           </a:p>
@@ -3716,7 +3718,7 @@
           <a:p>
             <a:fld id="{4C472495-FAE9-41D7-9798-712FF72FB955}" type="datetimeFigureOut">
               <a:rPr lang="ko-KR" altLang="en-US" smtClean="0"/>
-              <a:t>2014-02-13</a:t>
+              <a:t>2014-02-18</a:t>
             </a:fld>
             <a:endParaRPr lang="ko-KR" altLang="en-US"/>
           </a:p>
@@ -4029,7 +4031,7 @@
           <a:p>
             <a:fld id="{4C472495-FAE9-41D7-9798-712FF72FB955}" type="datetimeFigureOut">
               <a:rPr lang="ko-KR" altLang="en-US" smtClean="0"/>
-              <a:t>2014-02-13</a:t>
+              <a:t>2014-02-18</a:t>
             </a:fld>
             <a:endParaRPr lang="ko-KR" altLang="en-US"/>
           </a:p>
@@ -4293,7 +4295,7 @@
           <a:p>
             <a:fld id="{4C472495-FAE9-41D7-9798-712FF72FB955}" type="datetimeFigureOut">
               <a:rPr lang="ko-KR" altLang="en-US" smtClean="0"/>
-              <a:t>2014-02-13</a:t>
+              <a:t>2014-02-18</a:t>
             </a:fld>
             <a:endParaRPr lang="ko-KR" altLang="en-US"/>
           </a:p>
@@ -4616,7 +4618,7 @@
           <a:p>
             <a:fld id="{4C472495-FAE9-41D7-9798-712FF72FB955}" type="datetimeFigureOut">
               <a:rPr lang="ko-KR" altLang="en-US" smtClean="0"/>
-              <a:t>2014-02-13</a:t>
+              <a:t>2014-02-18</a:t>
             </a:fld>
             <a:endParaRPr lang="ko-KR" altLang="en-US"/>
           </a:p>
@@ -5005,7 +5007,7 @@
           <a:p>
             <a:fld id="{4C472495-FAE9-41D7-9798-712FF72FB955}" type="datetimeFigureOut">
               <a:rPr lang="ko-KR" altLang="en-US" smtClean="0"/>
-              <a:t>2014-02-13</a:t>
+              <a:t>2014-02-18</a:t>
             </a:fld>
             <a:endParaRPr lang="ko-KR" altLang="en-US"/>
           </a:p>
@@ -5381,7 +5383,7 @@
           <a:p>
             <a:fld id="{4C472495-FAE9-41D7-9798-712FF72FB955}" type="datetimeFigureOut">
               <a:rPr lang="ko-KR" altLang="en-US" smtClean="0"/>
-              <a:t>2014-02-13</a:t>
+              <a:t>2014-02-18</a:t>
             </a:fld>
             <a:endParaRPr lang="ko-KR" altLang="en-US"/>
           </a:p>
@@ -5887,7 +5889,7 @@
           <a:p>
             <a:fld id="{4C472495-FAE9-41D7-9798-712FF72FB955}" type="datetimeFigureOut">
               <a:rPr lang="ko-KR" altLang="en-US" smtClean="0"/>
-              <a:t>2014-02-13</a:t>
+              <a:t>2014-02-18</a:t>
             </a:fld>
             <a:endParaRPr lang="ko-KR" altLang="en-US"/>
           </a:p>
@@ -6144,7 +6146,7 @@
           <a:p>
             <a:fld id="{4C472495-FAE9-41D7-9798-712FF72FB955}" type="datetimeFigureOut">
               <a:rPr lang="ko-KR" altLang="en-US" smtClean="0"/>
-              <a:t>2014-02-13</a:t>
+              <a:t>2014-02-18</a:t>
             </a:fld>
             <a:endParaRPr lang="ko-KR" altLang="en-US"/>
           </a:p>
@@ -6307,7 +6309,7 @@
           <a:p>
             <a:fld id="{4C472495-FAE9-41D7-9798-712FF72FB955}" type="datetimeFigureOut">
               <a:rPr lang="ko-KR" altLang="en-US" smtClean="0"/>
-              <a:t>2014-02-13</a:t>
+              <a:t>2014-02-18</a:t>
             </a:fld>
             <a:endParaRPr lang="ko-KR" altLang="en-US"/>
           </a:p>
@@ -6697,7 +6699,7 @@
           <a:p>
             <a:fld id="{4C472495-FAE9-41D7-9798-712FF72FB955}" type="datetimeFigureOut">
               <a:rPr lang="ko-KR" altLang="en-US" smtClean="0"/>
-              <a:t>2014-02-13</a:t>
+              <a:t>2014-02-18</a:t>
             </a:fld>
             <a:endParaRPr lang="ko-KR" altLang="en-US"/>
           </a:p>
@@ -7106,7 +7108,7 @@
           <a:p>
             <a:fld id="{4C472495-FAE9-41D7-9798-712FF72FB955}" type="datetimeFigureOut">
               <a:rPr lang="ko-KR" altLang="en-US" smtClean="0"/>
-              <a:t>2014-02-13</a:t>
+              <a:t>2014-02-18</a:t>
             </a:fld>
             <a:endParaRPr lang="ko-KR" altLang="en-US"/>
           </a:p>
@@ -7350,7 +7352,7 @@
           <a:p>
             <a:fld id="{4C472495-FAE9-41D7-9798-712FF72FB955}" type="datetimeFigureOut">
               <a:rPr lang="ko-KR" altLang="en-US" smtClean="0"/>
-              <a:t>2014-02-13</a:t>
+              <a:t>2014-02-18</a:t>
             </a:fld>
             <a:endParaRPr lang="ko-KR" altLang="en-US"/>
           </a:p>
@@ -7903,7 +7905,15 @@
             </a:r>
             <a:r>
               <a:rPr lang="en-US" altLang="ko-KR" sz="1800" dirty="0" smtClean="0"/>
-              <a:t>.</a:t>
+              <a:t>.(</a:t>
+            </a:r>
+            <a:r>
+              <a:rPr lang="ko-KR" altLang="en-US" sz="1800" dirty="0" smtClean="0"/>
+              <a:t>단일 상속</a:t>
+            </a:r>
+            <a:r>
+              <a:rPr lang="en-US" altLang="ko-KR" sz="1800" dirty="0" smtClean="0"/>
+              <a:t>)</a:t>
             </a:r>
           </a:p>
           <a:p>
@@ -8036,7 +8046,6 @@
                         <a:rPr lang="en-US" altLang="ja-JP" sz="1200" dirty="0" smtClean="0"/>
                         <a:t>});</a:t>
                       </a:r>
-                      <a:endParaRPr lang="en-US" altLang="ja-JP" sz="1200" dirty="0" smtClean="0"/>
                     </a:p>
                   </a:txBody>
                   <a:tcPr/>
@@ -8147,7 +8156,6 @@
                         <a:rPr lang="en-US" altLang="ja-JP" sz="1200" dirty="0" smtClean="0"/>
                         <a:t>});</a:t>
                       </a:r>
-                      <a:endParaRPr lang="en-US" altLang="ja-JP" sz="1200" dirty="0" smtClean="0"/>
                     </a:p>
                   </a:txBody>
                   <a:tcPr/>
@@ -8273,7 +8281,6 @@
                         <a:rPr lang="en-US" altLang="ja-JP" sz="1200" dirty="0" smtClean="0"/>
                         <a:t>&lt;/script&gt;</a:t>
                       </a:r>
-                      <a:endParaRPr lang="en-US" altLang="ja-JP" sz="1200" dirty="0" smtClean="0"/>
                     </a:p>
                   </a:txBody>
                   <a:tcPr/>
@@ -8420,7 +8427,7 @@
           <a:lstStyle/>
           <a:p>
             <a:r>
-              <a:rPr lang="en-US" altLang="ko-KR" dirty="0" smtClean="0"/>
+              <a:rPr lang="en-US" altLang="ko-KR" dirty="0"/>
               <a:t>Class </a:t>
             </a:r>
             <a:r>
@@ -8428,8 +8435,8 @@
               <a:t>System[</a:t>
             </a:r>
             <a:r>
-              <a:rPr lang="en-US" altLang="ko-KR" dirty="0" smtClean="0"/>
-              <a:t>Requires</a:t>
+              <a:rPr lang="en-US" altLang="ko-KR" dirty="0" err="1" smtClean="0"/>
+              <a:t>Mixin</a:t>
             </a:r>
             <a:r>
               <a:rPr lang="en-US" altLang="ko-KR" dirty="0" smtClean="0"/>
@@ -8441,7 +8448,7 @@
       </p:sp>
       <p:sp>
         <p:nvSpPr>
-          <p:cNvPr id="9" name="내용 개체 틀 2"/>
+          <p:cNvPr id="3" name="내용 개체 틀 2"/>
           <p:cNvSpPr>
             <a:spLocks noGrp="1"/>
           </p:cNvSpPr>
@@ -8462,100 +8469,99 @@
           <a:lstStyle/>
           <a:p>
             <a:r>
+              <a:rPr lang="ko-KR" altLang="en-US" sz="1800" dirty="0" smtClean="0"/>
+              <a:t>단일 상속기반의 </a:t>
+            </a:r>
+            <a:r>
               <a:rPr lang="en-US" altLang="ko-KR" sz="1800" dirty="0" err="1" smtClean="0"/>
               <a:t>Extjs</a:t>
             </a:r>
             <a:r>
-              <a:rPr lang="en-US" altLang="ko-KR" sz="1800" dirty="0" smtClean="0"/>
+              <a:rPr lang="ko-KR" altLang="en-US" sz="1800" dirty="0" smtClean="0"/>
+              <a:t>에서 다중 클래스 사용을 위한 기능 </a:t>
+            </a:r>
+            <a:endParaRPr lang="en-US" altLang="ko-KR" sz="1800" dirty="0" smtClean="0"/>
+          </a:p>
+          <a:p>
+            <a:r>
+              <a:rPr lang="en-US" altLang="ko-KR" sz="1400" dirty="0" smtClean="0"/>
+              <a:t>Java </a:t>
+            </a:r>
+            <a:r>
+              <a:rPr lang="ko-KR" altLang="en-US" sz="1400" dirty="0" smtClean="0"/>
+              <a:t>의 </a:t>
+            </a:r>
+            <a:r>
+              <a:rPr lang="en-US" altLang="ko-KR" sz="1400" dirty="0" smtClean="0"/>
+              <a:t>has </a:t>
+            </a:r>
+            <a:r>
+              <a:rPr lang="ko-KR" altLang="en-US" sz="1400" dirty="0" smtClean="0"/>
+              <a:t>관계 정도로 </a:t>
+            </a:r>
+            <a:r>
+              <a:rPr lang="ko-KR" altLang="en-US" sz="1400" dirty="0" err="1" smtClean="0"/>
+              <a:t>생가하면</a:t>
+            </a:r>
+            <a:r>
+              <a:rPr lang="ko-KR" altLang="en-US" sz="1400" dirty="0" smtClean="0"/>
+              <a:t> 됨</a:t>
+            </a:r>
+            <a:r>
+              <a:rPr lang="en-US" altLang="ko-KR" sz="1400" dirty="0" smtClean="0"/>
+              <a:t>.</a:t>
+            </a:r>
+            <a:r>
+              <a:rPr lang="en-US" altLang="ko-KR" sz="1400" dirty="0"/>
               <a:t> </a:t>
             </a:r>
             <a:r>
-              <a:rPr lang="ko-KR" altLang="en-US" sz="1800" dirty="0" smtClean="0"/>
-              <a:t>는 필요 </a:t>
-            </a:r>
-            <a:r>
-              <a:rPr lang="en-US" altLang="ko-KR" sz="1800" dirty="0" err="1" smtClean="0"/>
-              <a:t>js</a:t>
-            </a:r>
-            <a:r>
-              <a:rPr lang="en-US" altLang="ko-KR" sz="1800" dirty="0" smtClean="0"/>
-              <a:t> </a:t>
-            </a:r>
-            <a:r>
-              <a:rPr lang="ko-KR" altLang="en-US" sz="1800" dirty="0" smtClean="0"/>
-              <a:t>소스를 </a:t>
-            </a:r>
-            <a:r>
-              <a:rPr lang="ko-KR" altLang="en-US" sz="1800" dirty="0" err="1" smtClean="0"/>
-              <a:t>비동기로</a:t>
-            </a:r>
-            <a:r>
-              <a:rPr lang="ko-KR" altLang="en-US" sz="1800" dirty="0" smtClean="0"/>
-              <a:t>  </a:t>
-            </a:r>
-            <a:r>
-              <a:rPr lang="en-US" altLang="ko-KR" sz="1800" dirty="0" smtClean="0"/>
-              <a:t>Loading  </a:t>
-            </a:r>
-            <a:r>
-              <a:rPr lang="ko-KR" altLang="en-US" sz="1800" dirty="0" smtClean="0"/>
-              <a:t>처리</a:t>
-            </a:r>
-            <a:r>
-              <a:rPr lang="ko-KR" altLang="en-US" sz="1800" dirty="0" smtClean="0"/>
-              <a:t>하기 때문에 해당 컴포넌트에서 사용하는 클래스가 로딩되어 있지 않을 수 있다</a:t>
-            </a:r>
-            <a:r>
-              <a:rPr lang="en-US" altLang="ko-KR" sz="1800" dirty="0" smtClean="0"/>
+              <a:rPr lang="en-US" altLang="ko-KR" sz="1400" dirty="0" smtClean="0"/>
+              <a:t>Field</a:t>
+            </a:r>
+            <a:r>
+              <a:rPr lang="ko-KR" altLang="en-US" sz="1400" dirty="0" smtClean="0"/>
+              <a:t>로 해당 클래스 </a:t>
+            </a:r>
+            <a:r>
+              <a:rPr lang="ko-KR" altLang="en-US" sz="1400" dirty="0" err="1" smtClean="0"/>
+              <a:t>정의후</a:t>
+            </a:r>
+            <a:r>
+              <a:rPr lang="ko-KR" altLang="en-US" sz="1400" dirty="0" smtClean="0"/>
+              <a:t> 멤버 변수를 이용하여 기능 처리</a:t>
+            </a:r>
+            <a:r>
+              <a:rPr lang="en-US" altLang="ko-KR" sz="1400" dirty="0" smtClean="0"/>
               <a:t>.</a:t>
             </a:r>
-          </a:p>
-          <a:p>
-            <a:r>
-              <a:rPr lang="en-US" altLang="ko-KR" sz="1800" dirty="0" smtClean="0"/>
-              <a:t>r</a:t>
-            </a:r>
-            <a:r>
-              <a:rPr lang="en-US" altLang="ko-KR" sz="1800" dirty="0" smtClean="0"/>
-              <a:t>equires </a:t>
-            </a:r>
-            <a:r>
-              <a:rPr lang="ko-KR" altLang="en-US" sz="1800" dirty="0" smtClean="0"/>
-              <a:t>속성에 등록된 클래스는 해당 컴포넌트 </a:t>
-            </a:r>
-            <a:r>
-              <a:rPr lang="ko-KR" altLang="en-US" sz="1800" dirty="0" err="1" smtClean="0"/>
-              <a:t>로딩시</a:t>
-            </a:r>
-            <a:r>
-              <a:rPr lang="ko-KR" altLang="en-US" sz="1800" dirty="0" smtClean="0"/>
-              <a:t> 동적으로 로딩</a:t>
-            </a:r>
-            <a:r>
-              <a:rPr lang="en-US" altLang="ko-KR" sz="1800" dirty="0" smtClean="0"/>
-              <a:t>. </a:t>
-            </a:r>
+            <a:endParaRPr lang="en-US" altLang="ko-KR" sz="1800" dirty="0"/>
+          </a:p>
+          <a:p>
             <a:endParaRPr lang="en-US" altLang="ko-KR" sz="1800" dirty="0" smtClean="0"/>
+          </a:p>
+          <a:p>
+            <a:endParaRPr lang="en-US" altLang="ko-KR" sz="1600" dirty="0" smtClean="0"/>
           </a:p>
         </p:txBody>
       </p:sp>
       <p:graphicFrame>
         <p:nvGraphicFramePr>
-          <p:cNvPr id="10" name="표 9"/>
+          <p:cNvPr id="6" name="표 5"/>
           <p:cNvGraphicFramePr>
             <a:graphicFrameLocks noGrp="1"/>
           </p:cNvGraphicFramePr>
           <p:nvPr>
             <p:extLst>
               <p:ext uri="{D42A27DB-BD31-4B8C-83A1-F6EECF244321}">
-                <p14:modId xmlns:p14="http://schemas.microsoft.com/office/powerpoint/2010/main" val="869480575"/>
+                <p14:modId xmlns:p14="http://schemas.microsoft.com/office/powerpoint/2010/main" val="2133681919"/>
               </p:ext>
             </p:extLst>
           </p:nvPr>
         </p:nvGraphicFramePr>
         <p:xfrm>
-          <a:off x="6234951" y="3618646"/>
-          <a:ext cx="5013287" cy="2103120"/>
+          <a:off x="985622" y="3074096"/>
+          <a:ext cx="6618336" cy="2267925"/>
         </p:xfrm>
         <a:graphic>
           <a:graphicData uri="http://schemas.openxmlformats.org/drawingml/2006/table">
@@ -8564,9 +8570,9 @@
                 <a:tableStyleId>{5C22544A-7EE6-4342-B048-85BDC9FD1C3A}</a:tableStyleId>
               </a:tblPr>
               <a:tblGrid>
-                <a:gridCol w="5013287"/>
+                <a:gridCol w="6618336"/>
               </a:tblGrid>
-              <a:tr h="734587">
+              <a:tr h="2267925">
                 <a:tc>
                   <a:txBody>
                     <a:bodyPr/>
@@ -8579,22 +8585,26 @@
                       </a:r>
                       <a:r>
                         <a:rPr lang="en-US" altLang="ja-JP" sz="1200" dirty="0" smtClean="0"/>
-                        <a:t>("</a:t>
+                        <a:t>('</a:t>
                       </a:r>
                       <a:r>
                         <a:rPr lang="en-US" altLang="ja-JP" sz="1200" dirty="0" err="1" smtClean="0"/>
-                        <a:t>MyNewFrame</a:t>
+                        <a:t>MixinSrc</a:t>
                       </a:r>
                       <a:r>
                         <a:rPr lang="en-US" altLang="ja-JP" sz="1200" dirty="0" smtClean="0"/>
-                        <a:t>",{</a:t>
+                        <a:t>', {</a:t>
                       </a:r>
                     </a:p>
                     <a:p>
                       <a:pPr latinLnBrk="1"/>
                       <a:r>
+                        <a:rPr lang="en-US" altLang="ja-JP" sz="1200" baseline="0" dirty="0" smtClean="0"/>
+                        <a:t>     </a:t>
+                      </a:r>
+                      <a:r>
                         <a:rPr lang="en-US" altLang="ja-JP" sz="1200" dirty="0" smtClean="0"/>
-                        <a:t>   extend:'</a:t>
+                        <a:t>extend:"</a:t>
                       </a:r>
                       <a:r>
                         <a:rPr lang="en-US" altLang="ja-JP" sz="1200" dirty="0" err="1" smtClean="0"/>
@@ -8602,200 +8612,167 @@
                       </a:r>
                       <a:r>
                         <a:rPr lang="en-US" altLang="ja-JP" sz="1200" dirty="0" smtClean="0"/>
-                        <a:t>',</a:t>
+                        <a:t>",</a:t>
                       </a:r>
                     </a:p>
                     <a:p>
                       <a:pPr latinLnBrk="1"/>
                       <a:r>
-                        <a:rPr lang="en-US" altLang="ja-JP" sz="1200" dirty="0" smtClean="0"/>
-                        <a:t>   title: '</a:t>
-                      </a:r>
-                      <a:r>
-                        <a:rPr lang="en-US" altLang="ja-JP" sz="1200" dirty="0" err="1" smtClean="0"/>
-                        <a:t>MyNewFrame</a:t>
-                      </a:r>
-                      <a:r>
-                        <a:rPr lang="en-US" altLang="ja-JP" sz="1200" dirty="0" smtClean="0"/>
-                        <a:t>',</a:t>
+                        <a:rPr lang="en-US" altLang="ja-JP" sz="1200" baseline="0" dirty="0" smtClean="0"/>
+                        <a:t>     </a:t>
+                      </a:r>
+                      <a:r>
+                        <a:rPr lang="en-US" altLang="ja-JP" sz="1200" b="1" dirty="0" err="1" smtClean="0">
+                          <a:solidFill>
+                            <a:srgbClr val="FF0000"/>
+                          </a:solidFill>
+                        </a:rPr>
+                        <a:t>mixins</a:t>
+                      </a:r>
+                      <a:r>
+                        <a:rPr lang="en-US" altLang="ja-JP" sz="1200" b="1" dirty="0" smtClean="0">
+                          <a:solidFill>
+                            <a:srgbClr val="FF0000"/>
+                          </a:solidFill>
+                        </a:rPr>
+                        <a:t>:{</a:t>
                       </a:r>
                     </a:p>
                     <a:p>
                       <a:pPr latinLnBrk="1"/>
                       <a:r>
-                        <a:rPr lang="en-US" altLang="ja-JP" sz="1200" baseline="0" dirty="0" smtClean="0"/>
-                        <a:t>    </a:t>
-                      </a:r>
-                      <a:r>
-                        <a:rPr lang="en-US" altLang="ja-JP" sz="1200" dirty="0" smtClean="0"/>
-                        <a:t>requires:'</a:t>
-                      </a:r>
-                      <a:r>
-                        <a:rPr lang="en-US" altLang="ja-JP" sz="1200" dirty="0" err="1" smtClean="0"/>
-                        <a:t>MynewComponent</a:t>
-                      </a:r>
-                      <a:r>
-                        <a:rPr lang="en-US" altLang="ja-JP" sz="1200" dirty="0" smtClean="0"/>
-                        <a:t>',   </a:t>
-                      </a:r>
-                      <a:r>
-                        <a:rPr lang="en-US" altLang="ja-JP" sz="1200" dirty="0" smtClean="0">
+                        <a:rPr lang="en-US" altLang="ja-JP" sz="1200" b="1" baseline="0" dirty="0" smtClean="0">
                           <a:solidFill>
-                            <a:schemeClr val="bg1">
-                              <a:lumMod val="65000"/>
-                              <a:lumOff val="35000"/>
-                            </a:schemeClr>
+                            <a:srgbClr val="FF0000"/>
                           </a:solidFill>
                         </a:rPr>
-                        <a:t>// </a:t>
-                      </a:r>
-                      <a:r>
-                        <a:rPr lang="ko-KR" altLang="en-US" sz="1200" dirty="0" smtClean="0">
+                        <a:t>     </a:t>
+                      </a:r>
+                      <a:r>
+                        <a:rPr lang="en-US" altLang="ja-JP" sz="1200" b="1" dirty="0" err="1" smtClean="0">
                           <a:solidFill>
-                            <a:schemeClr val="bg1">
-                              <a:lumMod val="65000"/>
-                              <a:lumOff val="35000"/>
-                            </a:schemeClr>
+                            <a:srgbClr val="FF0000"/>
                           </a:solidFill>
                         </a:rPr>
-                        <a:t>사용자 정의 클래스 </a:t>
-                      </a:r>
-                      <a:r>
-                        <a:rPr lang="en-US" altLang="ko-KR" sz="1200" dirty="0" smtClean="0">
+                        <a:t>mixclass</a:t>
+                      </a:r>
+                      <a:r>
+                        <a:rPr lang="en-US" altLang="ja-JP" sz="1200" b="1" dirty="0" smtClean="0">
                           <a:solidFill>
-                            <a:schemeClr val="bg1">
-                              <a:lumMod val="65000"/>
-                              <a:lumOff val="35000"/>
-                            </a:schemeClr>
+                            <a:srgbClr val="FF0000"/>
                           </a:solidFill>
                         </a:rPr>
-                        <a:t>class</a:t>
-                      </a:r>
-                      <a:r>
-                        <a:rPr lang="en-US" altLang="ko-KR" sz="1200" baseline="0" dirty="0" smtClean="0">
+                        <a:t>:‘</a:t>
+                      </a:r>
+                      <a:r>
+                        <a:rPr lang="en-US" altLang="ja-JP" sz="1200" b="1" dirty="0" err="1" smtClean="0">
                           <a:solidFill>
-                            <a:schemeClr val="bg1">
-                              <a:lumMod val="65000"/>
-                              <a:lumOff val="35000"/>
-                            </a:schemeClr>
+                            <a:srgbClr val="FF0000"/>
                           </a:solidFill>
                         </a:rPr>
-                        <a:t> loading</a:t>
-                      </a:r>
-                      <a:endParaRPr lang="en-US" altLang="ja-JP" sz="1200" dirty="0" smtClean="0">
-                        <a:solidFill>
-                          <a:schemeClr val="bg1">
-                            <a:lumMod val="65000"/>
-                            <a:lumOff val="35000"/>
-                          </a:schemeClr>
-                        </a:solidFill>
-                      </a:endParaRPr>
+                        <a:t>Zero.mix.TargetClass</a:t>
+                      </a:r>
+                      <a:r>
+                        <a:rPr lang="en-US" altLang="ja-JP" sz="1200" b="1" dirty="0" smtClean="0">
+                          <a:solidFill>
+                            <a:srgbClr val="FF0000"/>
+                          </a:solidFill>
+                        </a:rPr>
+                        <a:t>‘</a:t>
+                      </a:r>
                     </a:p>
                     <a:p>
                       <a:pPr latinLnBrk="1"/>
                       <a:r>
-                        <a:rPr lang="en-US" altLang="ja-JP" sz="1200" dirty="0" smtClean="0"/>
-                        <a:t>    width: 300,</a:t>
+                        <a:rPr lang="en-US" altLang="ja-JP" sz="1200" b="1" dirty="0" smtClean="0">
+                          <a:solidFill>
+                            <a:srgbClr val="FF0000"/>
+                          </a:solidFill>
+                        </a:rPr>
+                        <a:t>   },</a:t>
                       </a:r>
                     </a:p>
                     <a:p>
                       <a:pPr latinLnBrk="1"/>
                       <a:r>
+                        <a:rPr lang="en-US" altLang="ja-JP" sz="1200" baseline="0" dirty="0" smtClean="0"/>
+                        <a:t>     </a:t>
+                      </a:r>
+                      <a:r>
+                        <a:rPr lang="en-US" altLang="ja-JP" sz="1200" dirty="0" err="1" smtClean="0"/>
+                        <a:t>initComponent:function</a:t>
+                      </a:r>
+                      <a:r>
                         <a:rPr lang="en-US" altLang="ja-JP" sz="1200" dirty="0" smtClean="0"/>
-                        <a:t>    height:300,</a:t>
+                        <a:t> () {</a:t>
                       </a:r>
                     </a:p>
                     <a:p>
                       <a:pPr latinLnBrk="1"/>
                       <a:r>
                         <a:rPr lang="en-US" altLang="ja-JP" sz="1200" dirty="0" smtClean="0"/>
-                        <a:t>    </a:t>
+                        <a:t>     </a:t>
                       </a:r>
                       <a:r>
                         <a:rPr lang="en-US" altLang="ja-JP" sz="1200" dirty="0" err="1" smtClean="0"/>
-                        <a:t>layout:'fit</a:t>
+                        <a:t>this.mixins.mixclass.constructor</a:t>
                       </a:r>
                       <a:r>
                         <a:rPr lang="en-US" altLang="ja-JP" sz="1200" dirty="0" smtClean="0"/>
-                        <a:t>',</a:t>
+                        <a:t>();</a:t>
                       </a:r>
                     </a:p>
                     <a:p>
                       <a:pPr latinLnBrk="1"/>
                       <a:r>
+                        <a:rPr lang="en-US" altLang="ja-JP" sz="1200" baseline="0" dirty="0" smtClean="0"/>
+                        <a:t>     </a:t>
+                      </a:r>
+                      <a:r>
                         <a:rPr lang="en-US" altLang="ja-JP" sz="1200" dirty="0" smtClean="0"/>
-                        <a:t>    items: [{</a:t>
+                        <a:t>console.log(</a:t>
+                      </a:r>
+                      <a:r>
+                        <a:rPr lang="en-US" altLang="ja-JP" sz="1200" dirty="0" err="1" smtClean="0"/>
+                        <a:t>this.mixins.mixclass.getMixinFunc</a:t>
+                      </a:r>
+                      <a:r>
+                        <a:rPr lang="en-US" altLang="ja-JP" sz="1200" dirty="0" smtClean="0"/>
+                        <a:t>("Hello </a:t>
+                      </a:r>
+                      <a:r>
+                        <a:rPr lang="en-US" altLang="ja-JP" sz="1200" dirty="0" err="1" smtClean="0"/>
+                        <a:t>Mixin</a:t>
+                      </a:r>
+                      <a:r>
+                        <a:rPr lang="en-US" altLang="ja-JP" sz="1200" dirty="0" smtClean="0"/>
+                        <a:t>"),this);</a:t>
                       </a:r>
                     </a:p>
                     <a:p>
                       <a:pPr latinLnBrk="1"/>
                       <a:r>
                         <a:rPr lang="en-US" altLang="ja-JP" sz="1200" baseline="0" dirty="0" smtClean="0"/>
-                        <a:t>      </a:t>
+                        <a:t>     </a:t>
                       </a:r>
                       <a:r>
                         <a:rPr lang="en-US" altLang="ja-JP" sz="1200" dirty="0" err="1" smtClean="0"/>
-                        <a:t>xtype</a:t>
+                        <a:t>this.callParent</a:t>
                       </a:r>
                       <a:r>
                         <a:rPr lang="en-US" altLang="ja-JP" sz="1200" dirty="0" smtClean="0"/>
-                        <a:t>:'</a:t>
-                      </a:r>
-                      <a:r>
-                        <a:rPr lang="en-US" altLang="ja-JP" sz="1200" dirty="0" err="1" smtClean="0"/>
-                        <a:t>newcmp</a:t>
-                      </a:r>
-                      <a:r>
-                        <a:rPr lang="en-US" altLang="ja-JP" sz="1200" dirty="0" smtClean="0"/>
-                        <a:t>',    </a:t>
-                      </a:r>
-                      <a:r>
-                        <a:rPr lang="en-US" altLang="ja-JP" sz="1200" dirty="0" smtClean="0">
-                          <a:solidFill>
-                            <a:schemeClr val="bg1">
-                              <a:lumMod val="65000"/>
-                              <a:lumOff val="35000"/>
-                            </a:schemeClr>
-                          </a:solidFill>
-                        </a:rPr>
-                        <a:t>//</a:t>
-                      </a:r>
-                      <a:r>
-                        <a:rPr lang="en-US" altLang="ja-JP" sz="1200" baseline="0" dirty="0" smtClean="0">
-                          <a:solidFill>
-                            <a:schemeClr val="bg1">
-                              <a:lumMod val="65000"/>
-                              <a:lumOff val="35000"/>
-                            </a:schemeClr>
-                          </a:solidFill>
-                        </a:rPr>
-                        <a:t> </a:t>
-                      </a:r>
-                      <a:r>
-                        <a:rPr lang="ko-KR" altLang="en-US" sz="1200" baseline="0" dirty="0" smtClean="0">
-                          <a:solidFill>
-                            <a:schemeClr val="bg1">
-                              <a:lumMod val="65000"/>
-                              <a:lumOff val="35000"/>
-                            </a:schemeClr>
-                          </a:solidFill>
-                        </a:rPr>
-                        <a:t>네임스페이스에 등록해놓은 이름으로 사용</a:t>
-                      </a:r>
-                      <a:endParaRPr lang="en-US" altLang="ja-JP" sz="1200" dirty="0" smtClean="0">
-                        <a:solidFill>
-                          <a:schemeClr val="bg1">
-                            <a:lumMod val="65000"/>
-                            <a:lumOff val="35000"/>
-                          </a:schemeClr>
-                        </a:solidFill>
-                      </a:endParaRPr>
+                        <a:t>(arguments);</a:t>
+                      </a:r>
                     </a:p>
                     <a:p>
                       <a:pPr latinLnBrk="1"/>
                       <a:r>
+                        <a:rPr lang="en-US" altLang="ja-JP" sz="1200" baseline="0" dirty="0" smtClean="0"/>
+                        <a:t>   </a:t>
+                      </a:r>
+                      <a:r>
                         <a:rPr lang="en-US" altLang="ja-JP" sz="1200" dirty="0" smtClean="0"/>
-                        <a:t>    }]</a:t>
+                        <a:t>}</a:t>
                       </a:r>
                     </a:p>
                     <a:p>
@@ -8804,7 +8781,6 @@
                         <a:rPr lang="en-US" altLang="ja-JP" sz="1200" dirty="0" smtClean="0"/>
                         <a:t>});</a:t>
                       </a:r>
-                      <a:endParaRPr lang="en-US" altLang="ja-JP" sz="1200" dirty="0" smtClean="0"/>
                     </a:p>
                   </a:txBody>
                   <a:tcPr/>
@@ -8814,393 +8790,10 @@
           </a:graphicData>
         </a:graphic>
       </p:graphicFrame>
-      <p:sp>
-        <p:nvSpPr>
-          <p:cNvPr id="11" name="TextBox 10"/>
-          <p:cNvSpPr txBox="1"/>
-          <p:nvPr/>
-        </p:nvSpPr>
-        <p:spPr>
-          <a:xfrm>
-            <a:off x="6146213" y="3326386"/>
-            <a:ext cx="3159839" cy="307777"/>
-          </a:xfrm>
-          <a:prstGeom prst="rect">
-            <a:avLst/>
-          </a:prstGeom>
-          <a:noFill/>
-        </p:spPr>
-        <p:txBody>
-          <a:bodyPr wrap="none" rtlCol="0">
-            <a:spAutoFit/>
-          </a:bodyPr>
-          <a:lstStyle/>
-          <a:p>
-            <a:r>
-              <a:rPr lang="en-US" altLang="ja-JP" sz="1400" dirty="0" err="1" smtClean="0"/>
-              <a:t>MyNewFrame</a:t>
-            </a:r>
-            <a:r>
-              <a:rPr lang="en-US" altLang="ja-JP" sz="1400" dirty="0" smtClean="0"/>
-              <a:t>  </a:t>
-            </a:r>
-            <a:r>
-              <a:rPr lang="en-US" altLang="ko-KR" sz="1400" dirty="0" smtClean="0"/>
-              <a:t>Class(</a:t>
-            </a:r>
-            <a:r>
-              <a:rPr lang="en-US" altLang="ja-JP" sz="1400" dirty="0" smtClean="0"/>
-              <a:t>MyNewFrame</a:t>
-            </a:r>
-            <a:r>
-              <a:rPr lang="en-US" altLang="ko-KR" sz="1400" dirty="0" smtClean="0"/>
-              <a:t>.js)</a:t>
-            </a:r>
-            <a:endParaRPr lang="ko-KR" altLang="en-US" sz="1400" dirty="0"/>
-          </a:p>
-        </p:txBody>
-      </p:sp>
-      <p:graphicFrame>
-        <p:nvGraphicFramePr>
-          <p:cNvPr id="14" name="표 13"/>
-          <p:cNvGraphicFramePr>
-            <a:graphicFrameLocks noGrp="1"/>
-          </p:cNvGraphicFramePr>
-          <p:nvPr>
-            <p:extLst>
-              <p:ext uri="{D42A27DB-BD31-4B8C-83A1-F6EECF244321}">
-                <p14:modId xmlns:p14="http://schemas.microsoft.com/office/powerpoint/2010/main" val="3243533497"/>
-              </p:ext>
-            </p:extLst>
-          </p:nvPr>
-        </p:nvGraphicFramePr>
-        <p:xfrm>
-          <a:off x="769059" y="3615518"/>
-          <a:ext cx="5013287" cy="1920240"/>
-        </p:xfrm>
-        <a:graphic>
-          <a:graphicData uri="http://schemas.openxmlformats.org/drawingml/2006/table">
-            <a:tbl>
-              <a:tblPr firstRow="1" bandRow="1">
-                <a:tableStyleId>{5C22544A-7EE6-4342-B048-85BDC9FD1C3A}</a:tableStyleId>
-              </a:tblPr>
-              <a:tblGrid>
-                <a:gridCol w="5013287"/>
-              </a:tblGrid>
-              <a:tr h="734587">
-                <a:tc>
-                  <a:txBody>
-                    <a:bodyPr/>
-                    <a:lstStyle/>
-                    <a:p>
-                      <a:pPr latinLnBrk="1"/>
-                      <a:r>
-                        <a:rPr lang="en-US" altLang="ja-JP" sz="1200" dirty="0" err="1" smtClean="0"/>
-                        <a:t>Ext.define</a:t>
-                      </a:r>
-                      <a:r>
-                        <a:rPr lang="en-US" altLang="ja-JP" sz="1200" dirty="0" smtClean="0"/>
-                        <a:t>("</a:t>
-                      </a:r>
-                      <a:r>
-                        <a:rPr lang="en-US" altLang="ja-JP" sz="1200" dirty="0" err="1" smtClean="0"/>
-                        <a:t>MyNewComponent</a:t>
-                      </a:r>
-                      <a:r>
-                        <a:rPr lang="en-US" altLang="ja-JP" sz="1200" dirty="0" smtClean="0"/>
-                        <a:t>",{</a:t>
-                      </a:r>
-                    </a:p>
-                    <a:p>
-                      <a:pPr latinLnBrk="1"/>
-                      <a:r>
-                        <a:rPr lang="en-US" altLang="ja-JP" sz="1200" baseline="0" dirty="0" smtClean="0"/>
-                        <a:t>   </a:t>
-                      </a:r>
-                      <a:r>
-                        <a:rPr lang="en-US" altLang="ja-JP" sz="1200" dirty="0" smtClean="0"/>
-                        <a:t>extend:'</a:t>
-                      </a:r>
-                      <a:r>
-                        <a:rPr lang="en-US" altLang="ja-JP" sz="1200" dirty="0" err="1" smtClean="0"/>
-                        <a:t>Ext.panel.Panel</a:t>
-                      </a:r>
-                      <a:r>
-                        <a:rPr lang="en-US" altLang="ja-JP" sz="1200" dirty="0" smtClean="0"/>
-                        <a:t>',</a:t>
-                      </a:r>
-                      <a:r>
-                        <a:rPr lang="en-US" altLang="ja-JP" sz="1200" baseline="0" dirty="0" smtClean="0"/>
-                        <a:t> </a:t>
-                      </a:r>
-                    </a:p>
-                    <a:p>
-                      <a:pPr latinLnBrk="1"/>
-                      <a:r>
-                        <a:rPr lang="en-US" altLang="ja-JP" sz="1200" dirty="0" smtClean="0"/>
-                        <a:t>   alias:'</a:t>
-                      </a:r>
-                      <a:r>
-                        <a:rPr lang="en-US" altLang="ja-JP" sz="1200" dirty="0" err="1" smtClean="0"/>
-                        <a:t>widget.newcmp</a:t>
-                      </a:r>
-                      <a:r>
-                        <a:rPr lang="en-US" altLang="ja-JP" sz="1200" dirty="0" smtClean="0"/>
-                        <a:t>', </a:t>
-                      </a:r>
-                      <a:r>
-                        <a:rPr lang="en-US" altLang="ja-JP" sz="1200" dirty="0" smtClean="0">
-                          <a:solidFill>
-                            <a:schemeClr val="bg1">
-                              <a:lumMod val="65000"/>
-                              <a:lumOff val="35000"/>
-                            </a:schemeClr>
-                          </a:solidFill>
-                        </a:rPr>
-                        <a:t>// </a:t>
-                      </a:r>
-                      <a:r>
-                        <a:rPr lang="en-US" altLang="ko-KR" sz="1200" dirty="0" smtClean="0">
-                          <a:solidFill>
-                            <a:schemeClr val="bg1">
-                              <a:lumMod val="65000"/>
-                              <a:lumOff val="35000"/>
-                            </a:schemeClr>
-                          </a:solidFill>
-                        </a:rPr>
-                        <a:t>widget </a:t>
-                      </a:r>
-                      <a:r>
-                        <a:rPr lang="ko-KR" altLang="en-US" sz="1200" dirty="0" smtClean="0">
-                          <a:solidFill>
-                            <a:schemeClr val="bg1">
-                              <a:lumMod val="65000"/>
-                              <a:lumOff val="35000"/>
-                            </a:schemeClr>
-                          </a:solidFill>
-                        </a:rPr>
-                        <a:t>네임스페이스 별칭 등록</a:t>
-                      </a:r>
-                      <a:r>
-                        <a:rPr lang="en-US" altLang="ko-KR" sz="1200" dirty="0" smtClean="0">
-                          <a:solidFill>
-                            <a:schemeClr val="bg1">
-                              <a:lumMod val="65000"/>
-                              <a:lumOff val="35000"/>
-                            </a:schemeClr>
-                          </a:solidFill>
-                        </a:rPr>
-                        <a:t> </a:t>
-                      </a:r>
-                      <a:endParaRPr lang="en-US" altLang="ja-JP" sz="1200" dirty="0" smtClean="0">
-                        <a:solidFill>
-                          <a:schemeClr val="bg1">
-                            <a:lumMod val="65000"/>
-                            <a:lumOff val="35000"/>
-                          </a:schemeClr>
-                        </a:solidFill>
-                      </a:endParaRPr>
-                    </a:p>
-                    <a:p>
-                      <a:pPr latinLnBrk="1"/>
-                      <a:r>
-                        <a:rPr lang="en-US" altLang="ja-JP" sz="1200" dirty="0" smtClean="0"/>
-                        <a:t>   title: ＇</a:t>
-                      </a:r>
-                      <a:r>
-                        <a:rPr lang="en-US" altLang="ja-JP" sz="1200" dirty="0" err="1" smtClean="0"/>
-                        <a:t>MyNewComponent</a:t>
-                      </a:r>
-                      <a:r>
-                        <a:rPr lang="en-US" altLang="ja-JP" sz="1200" dirty="0" smtClean="0"/>
-                        <a:t>＇,</a:t>
-                      </a:r>
-                    </a:p>
-                    <a:p>
-                      <a:pPr latinLnBrk="1"/>
-                      <a:r>
-                        <a:rPr lang="en-US" altLang="ja-JP" sz="1200" dirty="0" smtClean="0"/>
-                        <a:t>   items: [{</a:t>
-                      </a:r>
-                    </a:p>
-                    <a:p>
-                      <a:pPr latinLnBrk="1"/>
-                      <a:r>
-                        <a:rPr lang="en-US" altLang="ja-JP" sz="1200" dirty="0" smtClean="0"/>
-                        <a:t>      </a:t>
-                      </a:r>
-                      <a:r>
-                        <a:rPr lang="en-US" altLang="ja-JP" sz="1200" dirty="0" err="1" smtClean="0"/>
-                        <a:t>xtype</a:t>
-                      </a:r>
-                      <a:r>
-                        <a:rPr lang="en-US" altLang="ja-JP" sz="1200" dirty="0" smtClean="0"/>
-                        <a:t>:'panel',</a:t>
-                      </a:r>
-                    </a:p>
-                    <a:p>
-                      <a:pPr latinLnBrk="1"/>
-                      <a:r>
-                        <a:rPr lang="en-US" altLang="ja-JP" sz="1200" dirty="0" smtClean="0"/>
-                        <a:t>      </a:t>
-                      </a:r>
-                      <a:r>
-                        <a:rPr lang="en-US" altLang="ja-JP" sz="1200" dirty="0" err="1" smtClean="0"/>
-                        <a:t>title:'It</a:t>
-                      </a:r>
-                      <a:r>
-                        <a:rPr lang="en-US" altLang="ja-JP" sz="1200" dirty="0" smtClean="0"/>
-                        <a:t>\'s Wonderful',</a:t>
-                      </a:r>
-                    </a:p>
-                    <a:p>
-                      <a:pPr latinLnBrk="1"/>
-                      <a:r>
-                        <a:rPr lang="en-US" altLang="ja-JP" sz="1200" dirty="0" smtClean="0"/>
-                        <a:t>      </a:t>
-                      </a:r>
-                      <a:r>
-                        <a:rPr lang="en-US" altLang="ja-JP" sz="1200" dirty="0" err="1" smtClean="0"/>
-                        <a:t>html:'Zero</a:t>
-                      </a:r>
-                      <a:r>
-                        <a:rPr lang="en-US" altLang="ja-JP" sz="1200" dirty="0" smtClean="0"/>
-                        <a:t>\'s Component'</a:t>
-                      </a:r>
-                    </a:p>
-                    <a:p>
-                      <a:pPr latinLnBrk="1"/>
-                      <a:r>
-                        <a:rPr lang="en-US" altLang="ja-JP" sz="1200" dirty="0" smtClean="0"/>
-                        <a:t>    }]</a:t>
-                      </a:r>
-                    </a:p>
-                    <a:p>
-                      <a:pPr latinLnBrk="1"/>
-                      <a:r>
-                        <a:rPr lang="en-US" altLang="ja-JP" sz="1200" dirty="0" smtClean="0"/>
-                        <a:t>});</a:t>
-                      </a:r>
-                      <a:endParaRPr lang="en-US" altLang="ja-JP" sz="1200" dirty="0" smtClean="0"/>
-                    </a:p>
-                  </a:txBody>
-                  <a:tcPr/>
-                </a:tc>
-              </a:tr>
-            </a:tbl>
-          </a:graphicData>
-        </a:graphic>
-      </p:graphicFrame>
-      <p:sp>
-        <p:nvSpPr>
-          <p:cNvPr id="15" name="TextBox 14"/>
-          <p:cNvSpPr txBox="1"/>
-          <p:nvPr/>
-        </p:nvSpPr>
-        <p:spPr>
-          <a:xfrm>
-            <a:off x="680321" y="3323258"/>
-            <a:ext cx="3159839" cy="307777"/>
-          </a:xfrm>
-          <a:prstGeom prst="rect">
-            <a:avLst/>
-          </a:prstGeom>
-          <a:noFill/>
-        </p:spPr>
-        <p:txBody>
-          <a:bodyPr wrap="none" rtlCol="0">
-            <a:spAutoFit/>
-          </a:bodyPr>
-          <a:lstStyle/>
-          <a:p>
-            <a:r>
-              <a:rPr lang="en-US" altLang="ja-JP" sz="1400" dirty="0" err="1" smtClean="0"/>
-              <a:t>MyNewFrame</a:t>
-            </a:r>
-            <a:r>
-              <a:rPr lang="en-US" altLang="ja-JP" sz="1400" dirty="0" smtClean="0"/>
-              <a:t>  </a:t>
-            </a:r>
-            <a:r>
-              <a:rPr lang="en-US" altLang="ko-KR" sz="1400" dirty="0" smtClean="0"/>
-              <a:t>Class(</a:t>
-            </a:r>
-            <a:r>
-              <a:rPr lang="en-US" altLang="ja-JP" sz="1400" dirty="0" smtClean="0"/>
-              <a:t>MyNewFrame</a:t>
-            </a:r>
-            <a:r>
-              <a:rPr lang="en-US" altLang="ko-KR" sz="1400" dirty="0" smtClean="0"/>
-              <a:t>.js)</a:t>
-            </a:r>
-            <a:endParaRPr lang="ko-KR" altLang="en-US" sz="1400" dirty="0"/>
-          </a:p>
-        </p:txBody>
-      </p:sp>
-      <p:sp>
-        <p:nvSpPr>
-          <p:cNvPr id="3" name="TextBox 2"/>
-          <p:cNvSpPr txBox="1"/>
-          <p:nvPr/>
-        </p:nvSpPr>
-        <p:spPr>
-          <a:xfrm>
-            <a:off x="622249" y="5570621"/>
-            <a:ext cx="4453463" cy="369332"/>
-          </a:xfrm>
-          <a:prstGeom prst="rect">
-            <a:avLst/>
-          </a:prstGeom>
-          <a:noFill/>
-        </p:spPr>
-        <p:txBody>
-          <a:bodyPr wrap="none" rtlCol="0">
-            <a:spAutoFit/>
-          </a:bodyPr>
-          <a:lstStyle/>
-          <a:p>
-            <a:r>
-              <a:rPr lang="ko-KR" altLang="en-US" dirty="0" smtClean="0"/>
-              <a:t>새로운 기능을 갖는 컴포넌트 클래스 생성</a:t>
-            </a:r>
-            <a:endParaRPr lang="ko-KR" altLang="en-US" dirty="0"/>
-          </a:p>
-        </p:txBody>
-      </p:sp>
-      <p:sp>
-        <p:nvSpPr>
-          <p:cNvPr id="16" name="TextBox 15"/>
-          <p:cNvSpPr txBox="1"/>
-          <p:nvPr/>
-        </p:nvSpPr>
-        <p:spPr>
-          <a:xfrm>
-            <a:off x="6146213" y="5755287"/>
-            <a:ext cx="3853940" cy="369332"/>
-          </a:xfrm>
-          <a:prstGeom prst="rect">
-            <a:avLst/>
-          </a:prstGeom>
-          <a:noFill/>
-        </p:spPr>
-        <p:txBody>
-          <a:bodyPr wrap="none" rtlCol="0">
-            <a:spAutoFit/>
-          </a:bodyPr>
-          <a:lstStyle/>
-          <a:p>
-            <a:r>
-              <a:rPr lang="ko-KR" altLang="en-US" dirty="0" smtClean="0"/>
-              <a:t>컴포넌트를 사용하는 컴포넌트 객체</a:t>
-            </a:r>
-            <a:endParaRPr lang="ko-KR" altLang="en-US" dirty="0"/>
-          </a:p>
-        </p:txBody>
-      </p:sp>
     </p:spTree>
     <p:extLst>
       <p:ext uri="{BB962C8B-B14F-4D97-AF65-F5344CB8AC3E}">
-        <p14:creationId xmlns:p14="http://schemas.microsoft.com/office/powerpoint/2010/main" val="2936386972"/>
+        <p14:creationId xmlns:p14="http://schemas.microsoft.com/office/powerpoint/2010/main" val="445633211"/>
       </p:ext>
     </p:extLst>
   </p:cSld>
@@ -9251,7 +8844,7 @@
           <a:p>
             <a:r>
               <a:rPr lang="en-US" altLang="ko-KR" dirty="0" smtClean="0"/>
-              <a:t>Layout</a:t>
+              <a:t>Class System[Requires]</a:t>
             </a:r>
             <a:endParaRPr lang="ko-KR" altLang="en-US" dirty="0"/>
           </a:p>
@@ -9259,7 +8852,7 @@
       </p:sp>
       <p:sp>
         <p:nvSpPr>
-          <p:cNvPr id="3" name="내용 개체 틀 2"/>
+          <p:cNvPr id="9" name="내용 개체 틀 2"/>
           <p:cNvSpPr>
             <a:spLocks noGrp="1"/>
           </p:cNvSpPr>
@@ -9267,59 +8860,371 @@
             <p:ph idx="1"/>
           </p:nvPr>
         </p:nvSpPr>
-        <p:spPr/>
-        <p:txBody>
-          <a:bodyPr/>
+        <p:spPr>
+          <a:xfrm>
+            <a:off x="680321" y="2336873"/>
+            <a:ext cx="9613861" cy="4187752"/>
+          </a:xfrm>
+        </p:spPr>
+        <p:txBody>
+          <a:bodyPr>
+            <a:normAutofit/>
+          </a:bodyPr>
           <a:lstStyle/>
           <a:p>
             <a:r>
-              <a:rPr lang="en-US" altLang="ko-KR" dirty="0" smtClean="0"/>
-              <a:t>Component</a:t>
-            </a:r>
-            <a:r>
-              <a:rPr lang="ko-KR" altLang="en-US" dirty="0" smtClean="0"/>
-              <a:t>의 배열 방식을 정의</a:t>
-            </a:r>
-            <a:endParaRPr lang="en-US" altLang="ko-KR" dirty="0" smtClean="0"/>
-          </a:p>
-          <a:p>
-            <a:r>
-              <a:rPr lang="en-US" altLang="ko-KR" dirty="0" smtClean="0"/>
-              <a:t>15</a:t>
-            </a:r>
-            <a:r>
-              <a:rPr lang="ko-KR" altLang="en-US" dirty="0" smtClean="0"/>
-              <a:t>가지의 기본 레이아웃 </a:t>
-            </a:r>
-            <a:r>
-              <a:rPr lang="en-US" altLang="ko-KR" dirty="0" smtClean="0"/>
-              <a:t>Container</a:t>
-            </a:r>
-            <a:r>
-              <a:rPr lang="ko-KR" altLang="en-US" dirty="0" smtClean="0"/>
-              <a:t>를 제공한다</a:t>
-            </a:r>
-            <a:r>
-              <a:rPr lang="en-US" altLang="ko-KR" dirty="0" smtClean="0"/>
+              <a:rPr lang="en-US" altLang="ko-KR" sz="1800" dirty="0" err="1" smtClean="0"/>
+              <a:t>Extjs</a:t>
+            </a:r>
+            <a:r>
+              <a:rPr lang="en-US" altLang="ko-KR" sz="1800" dirty="0" smtClean="0"/>
+              <a:t> </a:t>
+            </a:r>
+            <a:r>
+              <a:rPr lang="ko-KR" altLang="en-US" sz="1800" dirty="0" smtClean="0"/>
+              <a:t>는 필요 </a:t>
+            </a:r>
+            <a:r>
+              <a:rPr lang="en-US" altLang="ko-KR" sz="1800" dirty="0" err="1" smtClean="0"/>
+              <a:t>js</a:t>
+            </a:r>
+            <a:r>
+              <a:rPr lang="en-US" altLang="ko-KR" sz="1800" dirty="0" smtClean="0"/>
+              <a:t> </a:t>
+            </a:r>
+            <a:r>
+              <a:rPr lang="ko-KR" altLang="en-US" sz="1800" dirty="0" smtClean="0"/>
+              <a:t>소스를 </a:t>
+            </a:r>
+            <a:r>
+              <a:rPr lang="ko-KR" altLang="en-US" sz="1800" dirty="0" err="1" smtClean="0"/>
+              <a:t>비동기로</a:t>
+            </a:r>
+            <a:r>
+              <a:rPr lang="ko-KR" altLang="en-US" sz="1800" dirty="0" smtClean="0"/>
+              <a:t>  </a:t>
+            </a:r>
+            <a:r>
+              <a:rPr lang="en-US" altLang="ko-KR" sz="1800" dirty="0" smtClean="0"/>
+              <a:t>Loading  </a:t>
+            </a:r>
+            <a:r>
+              <a:rPr lang="ko-KR" altLang="en-US" sz="1800" dirty="0" smtClean="0"/>
+              <a:t>처리하기 때문에 해당 컴포넌트에서 사용하는 클래스가 로딩되어 있지 않을 수 있다</a:t>
+            </a:r>
+            <a:r>
+              <a:rPr lang="en-US" altLang="ko-KR" sz="1800" dirty="0" smtClean="0"/>
               <a:t>.</a:t>
             </a:r>
-            <a:br>
-              <a:rPr lang="en-US" altLang="ko-KR" dirty="0" smtClean="0"/>
-            </a:br>
-            <a:endParaRPr lang="ko-KR" altLang="en-US" dirty="0"/>
-          </a:p>
-        </p:txBody>
-      </p:sp>
-      <p:sp>
-        <p:nvSpPr>
-          <p:cNvPr id="4" name="TextBox 3"/>
+          </a:p>
+          <a:p>
+            <a:r>
+              <a:rPr lang="en-US" altLang="ko-KR" sz="1800" dirty="0" smtClean="0"/>
+              <a:t>requires </a:t>
+            </a:r>
+            <a:r>
+              <a:rPr lang="ko-KR" altLang="en-US" sz="1800" dirty="0" smtClean="0"/>
+              <a:t>속성에 등록된 클래스는 해당 컴포넌트 </a:t>
+            </a:r>
+            <a:r>
+              <a:rPr lang="ko-KR" altLang="en-US" sz="1800" dirty="0" err="1" smtClean="0"/>
+              <a:t>로딩시</a:t>
+            </a:r>
+            <a:r>
+              <a:rPr lang="ko-KR" altLang="en-US" sz="1800" dirty="0" smtClean="0"/>
+              <a:t> 동적으로 로딩</a:t>
+            </a:r>
+            <a:r>
+              <a:rPr lang="en-US" altLang="ko-KR" sz="1800" dirty="0" smtClean="0"/>
+              <a:t>. </a:t>
+            </a:r>
+          </a:p>
+        </p:txBody>
+      </p:sp>
+      <p:graphicFrame>
+        <p:nvGraphicFramePr>
+          <p:cNvPr id="10" name="표 9"/>
+          <p:cNvGraphicFramePr>
+            <a:graphicFrameLocks noGrp="1"/>
+          </p:cNvGraphicFramePr>
+          <p:nvPr>
+            <p:extLst>
+              <p:ext uri="{D42A27DB-BD31-4B8C-83A1-F6EECF244321}">
+                <p14:modId xmlns:p14="http://schemas.microsoft.com/office/powerpoint/2010/main" val="869480575"/>
+              </p:ext>
+            </p:extLst>
+          </p:nvPr>
+        </p:nvGraphicFramePr>
+        <p:xfrm>
+          <a:off x="6234951" y="3618646"/>
+          <a:ext cx="5013287" cy="2103120"/>
+        </p:xfrm>
+        <a:graphic>
+          <a:graphicData uri="http://schemas.openxmlformats.org/drawingml/2006/table">
+            <a:tbl>
+              <a:tblPr firstRow="1" bandRow="1">
+                <a:tableStyleId>{5C22544A-7EE6-4342-B048-85BDC9FD1C3A}</a:tableStyleId>
+              </a:tblPr>
+              <a:tblGrid>
+                <a:gridCol w="5013287"/>
+              </a:tblGrid>
+              <a:tr h="734587">
+                <a:tc>
+                  <a:txBody>
+                    <a:bodyPr/>
+                    <a:lstStyle/>
+                    <a:p>
+                      <a:pPr latinLnBrk="1"/>
+                      <a:r>
+                        <a:rPr lang="en-US" altLang="ja-JP" sz="1200" dirty="0" err="1" smtClean="0"/>
+                        <a:t>Ext.define</a:t>
+                      </a:r>
+                      <a:r>
+                        <a:rPr lang="en-US" altLang="ja-JP" sz="1200" dirty="0" smtClean="0"/>
+                        <a:t>("</a:t>
+                      </a:r>
+                      <a:r>
+                        <a:rPr lang="en-US" altLang="ja-JP" sz="1200" dirty="0" err="1" smtClean="0"/>
+                        <a:t>MyNewFrame</a:t>
+                      </a:r>
+                      <a:r>
+                        <a:rPr lang="en-US" altLang="ja-JP" sz="1200" dirty="0" smtClean="0"/>
+                        <a:t>",{</a:t>
+                      </a:r>
+                    </a:p>
+                    <a:p>
+                      <a:pPr latinLnBrk="1"/>
+                      <a:r>
+                        <a:rPr lang="en-US" altLang="ja-JP" sz="1200" dirty="0" smtClean="0"/>
+                        <a:t>   extend:'</a:t>
+                      </a:r>
+                      <a:r>
+                        <a:rPr lang="en-US" altLang="ja-JP" sz="1200" dirty="0" err="1" smtClean="0"/>
+                        <a:t>Ext.panel.Panel</a:t>
+                      </a:r>
+                      <a:r>
+                        <a:rPr lang="en-US" altLang="ja-JP" sz="1200" dirty="0" smtClean="0"/>
+                        <a:t>',</a:t>
+                      </a:r>
+                    </a:p>
+                    <a:p>
+                      <a:pPr latinLnBrk="1"/>
+                      <a:r>
+                        <a:rPr lang="en-US" altLang="ja-JP" sz="1200" dirty="0" smtClean="0"/>
+                        <a:t>   title: '</a:t>
+                      </a:r>
+                      <a:r>
+                        <a:rPr lang="en-US" altLang="ja-JP" sz="1200" dirty="0" err="1" smtClean="0"/>
+                        <a:t>MyNewFrame</a:t>
+                      </a:r>
+                      <a:r>
+                        <a:rPr lang="en-US" altLang="ja-JP" sz="1200" dirty="0" smtClean="0"/>
+                        <a:t>',</a:t>
+                      </a:r>
+                    </a:p>
+                    <a:p>
+                      <a:pPr latinLnBrk="1"/>
+                      <a:r>
+                        <a:rPr lang="en-US" altLang="ja-JP" sz="1200" baseline="0" dirty="0" smtClean="0"/>
+                        <a:t>    </a:t>
+                      </a:r>
+                      <a:r>
+                        <a:rPr lang="en-US" altLang="ja-JP" sz="1200" dirty="0" smtClean="0"/>
+                        <a:t>requires:'</a:t>
+                      </a:r>
+                      <a:r>
+                        <a:rPr lang="en-US" altLang="ja-JP" sz="1200" dirty="0" err="1" smtClean="0"/>
+                        <a:t>MynewComponent</a:t>
+                      </a:r>
+                      <a:r>
+                        <a:rPr lang="en-US" altLang="ja-JP" sz="1200" dirty="0" smtClean="0"/>
+                        <a:t>',   </a:t>
+                      </a:r>
+                      <a:r>
+                        <a:rPr lang="en-US" altLang="ja-JP" sz="1200" dirty="0" smtClean="0">
+                          <a:solidFill>
+                            <a:schemeClr val="bg1">
+                              <a:lumMod val="65000"/>
+                              <a:lumOff val="35000"/>
+                            </a:schemeClr>
+                          </a:solidFill>
+                        </a:rPr>
+                        <a:t>// </a:t>
+                      </a:r>
+                      <a:r>
+                        <a:rPr lang="ko-KR" altLang="en-US" sz="1200" dirty="0" smtClean="0">
+                          <a:solidFill>
+                            <a:schemeClr val="bg1">
+                              <a:lumMod val="65000"/>
+                              <a:lumOff val="35000"/>
+                            </a:schemeClr>
+                          </a:solidFill>
+                        </a:rPr>
+                        <a:t>사용자 정의 클래스 </a:t>
+                      </a:r>
+                      <a:r>
+                        <a:rPr lang="en-US" altLang="ko-KR" sz="1200" dirty="0" smtClean="0">
+                          <a:solidFill>
+                            <a:schemeClr val="bg1">
+                              <a:lumMod val="65000"/>
+                              <a:lumOff val="35000"/>
+                            </a:schemeClr>
+                          </a:solidFill>
+                        </a:rPr>
+                        <a:t>class</a:t>
+                      </a:r>
+                      <a:r>
+                        <a:rPr lang="en-US" altLang="ko-KR" sz="1200" baseline="0" dirty="0" smtClean="0">
+                          <a:solidFill>
+                            <a:schemeClr val="bg1">
+                              <a:lumMod val="65000"/>
+                              <a:lumOff val="35000"/>
+                            </a:schemeClr>
+                          </a:solidFill>
+                        </a:rPr>
+                        <a:t> loading</a:t>
+                      </a:r>
+                      <a:endParaRPr lang="en-US" altLang="ja-JP" sz="1200" dirty="0" smtClean="0">
+                        <a:solidFill>
+                          <a:schemeClr val="bg1">
+                            <a:lumMod val="65000"/>
+                            <a:lumOff val="35000"/>
+                          </a:schemeClr>
+                        </a:solidFill>
+                      </a:endParaRPr>
+                    </a:p>
+                    <a:p>
+                      <a:pPr latinLnBrk="1"/>
+                      <a:r>
+                        <a:rPr lang="en-US" altLang="ja-JP" sz="1200" dirty="0" smtClean="0"/>
+                        <a:t>    width: 300,</a:t>
+                      </a:r>
+                    </a:p>
+                    <a:p>
+                      <a:pPr latinLnBrk="1"/>
+                      <a:r>
+                        <a:rPr lang="en-US" altLang="ja-JP" sz="1200" dirty="0" smtClean="0"/>
+                        <a:t>    height:300,</a:t>
+                      </a:r>
+                    </a:p>
+                    <a:p>
+                      <a:pPr latinLnBrk="1"/>
+                      <a:r>
+                        <a:rPr lang="en-US" altLang="ja-JP" sz="1200" dirty="0" smtClean="0"/>
+                        <a:t>    </a:t>
+                      </a:r>
+                      <a:r>
+                        <a:rPr lang="en-US" altLang="ja-JP" sz="1200" dirty="0" err="1" smtClean="0"/>
+                        <a:t>layout:'fit</a:t>
+                      </a:r>
+                      <a:r>
+                        <a:rPr lang="en-US" altLang="ja-JP" sz="1200" dirty="0" smtClean="0"/>
+                        <a:t>',</a:t>
+                      </a:r>
+                    </a:p>
+                    <a:p>
+                      <a:pPr latinLnBrk="1"/>
+                      <a:r>
+                        <a:rPr lang="en-US" altLang="ja-JP" sz="1200" dirty="0" smtClean="0"/>
+                        <a:t>    items: [{</a:t>
+                      </a:r>
+                    </a:p>
+                    <a:p>
+                      <a:pPr latinLnBrk="1"/>
+                      <a:r>
+                        <a:rPr lang="en-US" altLang="ja-JP" sz="1200" baseline="0" dirty="0" smtClean="0"/>
+                        <a:t>      </a:t>
+                      </a:r>
+                      <a:r>
+                        <a:rPr lang="en-US" altLang="ja-JP" sz="1200" dirty="0" err="1" smtClean="0"/>
+                        <a:t>xtype</a:t>
+                      </a:r>
+                      <a:r>
+                        <a:rPr lang="en-US" altLang="ja-JP" sz="1200" dirty="0" smtClean="0"/>
+                        <a:t>:'</a:t>
+                      </a:r>
+                      <a:r>
+                        <a:rPr lang="en-US" altLang="ja-JP" sz="1200" dirty="0" err="1" smtClean="0"/>
+                        <a:t>newcmp</a:t>
+                      </a:r>
+                      <a:r>
+                        <a:rPr lang="en-US" altLang="ja-JP" sz="1200" dirty="0" smtClean="0"/>
+                        <a:t>',    </a:t>
+                      </a:r>
+                      <a:r>
+                        <a:rPr lang="en-US" altLang="ja-JP" sz="1200" dirty="0" smtClean="0">
+                          <a:solidFill>
+                            <a:schemeClr val="bg1">
+                              <a:lumMod val="65000"/>
+                              <a:lumOff val="35000"/>
+                            </a:schemeClr>
+                          </a:solidFill>
+                        </a:rPr>
+                        <a:t>//</a:t>
+                      </a:r>
+                      <a:r>
+                        <a:rPr lang="en-US" altLang="ja-JP" sz="1200" baseline="0" dirty="0" smtClean="0">
+                          <a:solidFill>
+                            <a:schemeClr val="bg1">
+                              <a:lumMod val="65000"/>
+                              <a:lumOff val="35000"/>
+                            </a:schemeClr>
+                          </a:solidFill>
+                        </a:rPr>
+                        <a:t> </a:t>
+                      </a:r>
+                      <a:r>
+                        <a:rPr lang="ko-KR" altLang="en-US" sz="1200" baseline="0" dirty="0" smtClean="0">
+                          <a:solidFill>
+                            <a:schemeClr val="bg1">
+                              <a:lumMod val="65000"/>
+                              <a:lumOff val="35000"/>
+                            </a:schemeClr>
+                          </a:solidFill>
+                        </a:rPr>
+                        <a:t>네임스페이스에 등록해놓은 이름으로 사용</a:t>
+                      </a:r>
+                      <a:endParaRPr lang="en-US" altLang="ja-JP" sz="1200" dirty="0" smtClean="0">
+                        <a:solidFill>
+                          <a:schemeClr val="bg1">
+                            <a:lumMod val="65000"/>
+                            <a:lumOff val="35000"/>
+                          </a:schemeClr>
+                        </a:solidFill>
+                      </a:endParaRPr>
+                    </a:p>
+                    <a:p>
+                      <a:pPr latinLnBrk="1"/>
+                      <a:r>
+                        <a:rPr lang="en-US" altLang="ja-JP" sz="1200" dirty="0" smtClean="0"/>
+                        <a:t>    }]</a:t>
+                      </a:r>
+                    </a:p>
+                    <a:p>
+                      <a:pPr latinLnBrk="1"/>
+                      <a:r>
+                        <a:rPr lang="en-US" altLang="ja-JP" sz="1200" dirty="0" smtClean="0"/>
+                        <a:t>});</a:t>
+                      </a:r>
+                    </a:p>
+                  </a:txBody>
+                  <a:tcPr/>
+                </a:tc>
+              </a:tr>
+            </a:tbl>
+          </a:graphicData>
+        </a:graphic>
+      </p:graphicFrame>
+      <p:sp>
+        <p:nvSpPr>
+          <p:cNvPr id="11" name="TextBox 10"/>
           <p:cNvSpPr txBox="1"/>
           <p:nvPr/>
         </p:nvSpPr>
         <p:spPr>
           <a:xfrm>
-            <a:off x="975408" y="3072348"/>
-            <a:ext cx="10983981" cy="3323987"/>
+            <a:off x="6146213" y="3326386"/>
+            <a:ext cx="3159839" cy="307777"/>
           </a:xfrm>
           <a:prstGeom prst="rect">
             <a:avLst/>
@@ -9327,458 +9232,375 @@
           <a:noFill/>
         </p:spPr>
         <p:txBody>
-          <a:bodyPr wrap="square" rtlCol="0">
+          <a:bodyPr wrap="none" rtlCol="0">
             <a:spAutoFit/>
           </a:bodyPr>
           <a:lstStyle/>
           <a:p>
-            <a:pPr marL="285750" indent="-285750">
-              <a:buFont typeface="Arial" panose="020B0604020202020204" pitchFamily="34" charset="0"/>
-              <a:buChar char="•"/>
-            </a:pPr>
-            <a:r>
-              <a:rPr lang="en-US" altLang="ko-KR" sz="1600" dirty="0" smtClean="0"/>
-              <a:t>Layout</a:t>
-            </a:r>
-          </a:p>
-          <a:p>
-            <a:pPr marL="742950" lvl="1" indent="-285750">
-              <a:buFont typeface="Arial" panose="020B0604020202020204" pitchFamily="34" charset="0"/>
-              <a:buChar char="•"/>
-            </a:pPr>
+            <a:r>
+              <a:rPr lang="en-US" altLang="ja-JP" sz="1400" dirty="0" err="1" smtClean="0"/>
+              <a:t>MyNewFrame</a:t>
+            </a:r>
+            <a:r>
+              <a:rPr lang="en-US" altLang="ja-JP" sz="1400" dirty="0" smtClean="0"/>
+              <a:t>  </a:t>
+            </a:r>
             <a:r>
               <a:rPr lang="en-US" altLang="ko-KR" sz="1400" dirty="0" smtClean="0"/>
-              <a:t>Container</a:t>
-            </a:r>
-          </a:p>
-          <a:p>
-            <a:pPr marL="1200150" lvl="2" indent="-285750">
-              <a:buFont typeface="Arial" panose="020B0604020202020204" pitchFamily="34" charset="0"/>
-              <a:buChar char="•"/>
-            </a:pPr>
+              <a:t>Class(</a:t>
+            </a:r>
+            <a:r>
+              <a:rPr lang="en-US" altLang="ja-JP" sz="1400" dirty="0" smtClean="0"/>
+              <a:t>MyNewFrame</a:t>
+            </a:r>
             <a:r>
               <a:rPr lang="en-US" altLang="ko-KR" sz="1400" dirty="0" smtClean="0"/>
-              <a:t>Auto		  </a:t>
-            </a:r>
-            <a:r>
-              <a:rPr lang="en-US" altLang="ko-KR" sz="1100" dirty="0" smtClean="0"/>
-              <a:t>// default Layout , 	</a:t>
-            </a:r>
-            <a:r>
-              <a:rPr lang="ko-KR" altLang="en-US" sz="1100" dirty="0" smtClean="0"/>
-              <a:t>컨테이너가 사이즈가 변경되더라도</a:t>
-            </a:r>
-            <a:r>
-              <a:rPr lang="en-US" altLang="ko-KR" sz="1100" dirty="0" smtClean="0"/>
-              <a:t> </a:t>
-            </a:r>
-            <a:r>
-              <a:rPr lang="ko-KR" altLang="en-US" sz="1100" dirty="0" smtClean="0"/>
-              <a:t>자식 아이템 사이즈는 고정</a:t>
+              <a:t>.js)</a:t>
+            </a:r>
+            <a:endParaRPr lang="ko-KR" altLang="en-US" sz="1400" dirty="0"/>
+          </a:p>
+        </p:txBody>
+      </p:sp>
+      <p:graphicFrame>
+        <p:nvGraphicFramePr>
+          <p:cNvPr id="14" name="표 13"/>
+          <p:cNvGraphicFramePr>
+            <a:graphicFrameLocks noGrp="1"/>
+          </p:cNvGraphicFramePr>
+          <p:nvPr>
+            <p:extLst>
+              <p:ext uri="{D42A27DB-BD31-4B8C-83A1-F6EECF244321}">
+                <p14:modId xmlns:p14="http://schemas.microsoft.com/office/powerpoint/2010/main" val="3243533497"/>
+              </p:ext>
+            </p:extLst>
+          </p:nvPr>
+        </p:nvGraphicFramePr>
+        <p:xfrm>
+          <a:off x="769059" y="3615518"/>
+          <a:ext cx="5013287" cy="1920240"/>
+        </p:xfrm>
+        <a:graphic>
+          <a:graphicData uri="http://schemas.openxmlformats.org/drawingml/2006/table">
+            <a:tbl>
+              <a:tblPr firstRow="1" bandRow="1">
+                <a:tableStyleId>{5C22544A-7EE6-4342-B048-85BDC9FD1C3A}</a:tableStyleId>
+              </a:tblPr>
+              <a:tblGrid>
+                <a:gridCol w="5013287"/>
+              </a:tblGrid>
+              <a:tr h="734587">
+                <a:tc>
+                  <a:txBody>
+                    <a:bodyPr/>
+                    <a:lstStyle/>
+                    <a:p>
+                      <a:pPr latinLnBrk="1"/>
+                      <a:r>
+                        <a:rPr lang="en-US" altLang="ja-JP" sz="1200" dirty="0" err="1" smtClean="0"/>
+                        <a:t>Ext.define</a:t>
+                      </a:r>
+                      <a:r>
+                        <a:rPr lang="en-US" altLang="ja-JP" sz="1200" dirty="0" smtClean="0"/>
+                        <a:t>("</a:t>
+                      </a:r>
+                      <a:r>
+                        <a:rPr lang="en-US" altLang="ja-JP" sz="1200" dirty="0" err="1" smtClean="0"/>
+                        <a:t>MyNewComponent</a:t>
+                      </a:r>
+                      <a:r>
+                        <a:rPr lang="en-US" altLang="ja-JP" sz="1200" dirty="0" smtClean="0"/>
+                        <a:t>",{</a:t>
+                      </a:r>
+                    </a:p>
+                    <a:p>
+                      <a:pPr latinLnBrk="1"/>
+                      <a:r>
+                        <a:rPr lang="en-US" altLang="ja-JP" sz="1200" baseline="0" dirty="0" smtClean="0"/>
+                        <a:t>   </a:t>
+                      </a:r>
+                      <a:r>
+                        <a:rPr lang="en-US" altLang="ja-JP" sz="1200" dirty="0" smtClean="0"/>
+                        <a:t>extend:'</a:t>
+                      </a:r>
+                      <a:r>
+                        <a:rPr lang="en-US" altLang="ja-JP" sz="1200" dirty="0" err="1" smtClean="0"/>
+                        <a:t>Ext.panel.Panel</a:t>
+                      </a:r>
+                      <a:r>
+                        <a:rPr lang="en-US" altLang="ja-JP" sz="1200" dirty="0" smtClean="0"/>
+                        <a:t>',</a:t>
+                      </a:r>
+                      <a:r>
+                        <a:rPr lang="en-US" altLang="ja-JP" sz="1200" baseline="0" dirty="0" smtClean="0"/>
+                        <a:t> </a:t>
+                      </a:r>
+                    </a:p>
+                    <a:p>
+                      <a:pPr latinLnBrk="1"/>
+                      <a:r>
+                        <a:rPr lang="en-US" altLang="ja-JP" sz="1200" dirty="0" smtClean="0"/>
+                        <a:t>   alias:'</a:t>
+                      </a:r>
+                      <a:r>
+                        <a:rPr lang="en-US" altLang="ja-JP" sz="1200" dirty="0" err="1" smtClean="0"/>
+                        <a:t>widget.newcmp</a:t>
+                      </a:r>
+                      <a:r>
+                        <a:rPr lang="en-US" altLang="ja-JP" sz="1200" dirty="0" smtClean="0"/>
+                        <a:t>', </a:t>
+                      </a:r>
+                      <a:r>
+                        <a:rPr lang="en-US" altLang="ja-JP" sz="1200" dirty="0" smtClean="0">
+                          <a:solidFill>
+                            <a:schemeClr val="bg1">
+                              <a:lumMod val="65000"/>
+                              <a:lumOff val="35000"/>
+                            </a:schemeClr>
+                          </a:solidFill>
+                        </a:rPr>
+                        <a:t>// </a:t>
+                      </a:r>
+                      <a:r>
+                        <a:rPr lang="en-US" altLang="ko-KR" sz="1200" dirty="0" smtClean="0">
+                          <a:solidFill>
+                            <a:schemeClr val="bg1">
+                              <a:lumMod val="65000"/>
+                              <a:lumOff val="35000"/>
+                            </a:schemeClr>
+                          </a:solidFill>
+                        </a:rPr>
+                        <a:t>widget </a:t>
+                      </a:r>
+                      <a:r>
+                        <a:rPr lang="ko-KR" altLang="en-US" sz="1200" dirty="0" smtClean="0">
+                          <a:solidFill>
+                            <a:schemeClr val="bg1">
+                              <a:lumMod val="65000"/>
+                              <a:lumOff val="35000"/>
+                            </a:schemeClr>
+                          </a:solidFill>
+                        </a:rPr>
+                        <a:t>네임스페이스 별칭 등록</a:t>
+                      </a:r>
+                      <a:r>
+                        <a:rPr lang="en-US" altLang="ko-KR" sz="1200" dirty="0" smtClean="0">
+                          <a:solidFill>
+                            <a:schemeClr val="bg1">
+                              <a:lumMod val="65000"/>
+                              <a:lumOff val="35000"/>
+                            </a:schemeClr>
+                          </a:solidFill>
+                        </a:rPr>
+                        <a:t> </a:t>
+                      </a:r>
+                      <a:endParaRPr lang="en-US" altLang="ja-JP" sz="1200" dirty="0" smtClean="0">
+                        <a:solidFill>
+                          <a:schemeClr val="bg1">
+                            <a:lumMod val="65000"/>
+                            <a:lumOff val="35000"/>
+                          </a:schemeClr>
+                        </a:solidFill>
+                      </a:endParaRPr>
+                    </a:p>
+                    <a:p>
+                      <a:pPr latinLnBrk="1"/>
+                      <a:r>
+                        <a:rPr lang="en-US" altLang="ja-JP" sz="1200" dirty="0" smtClean="0"/>
+                        <a:t>   title: ＇</a:t>
+                      </a:r>
+                      <a:r>
+                        <a:rPr lang="en-US" altLang="ja-JP" sz="1200" dirty="0" err="1" smtClean="0"/>
+                        <a:t>MyNewComponent</a:t>
+                      </a:r>
+                      <a:r>
+                        <a:rPr lang="en-US" altLang="ja-JP" sz="1200" dirty="0" smtClean="0"/>
+                        <a:t>＇,</a:t>
+                      </a:r>
+                    </a:p>
+                    <a:p>
+                      <a:pPr latinLnBrk="1"/>
+                      <a:r>
+                        <a:rPr lang="en-US" altLang="ja-JP" sz="1200" dirty="0" smtClean="0"/>
+                        <a:t>   items: [{</a:t>
+                      </a:r>
+                    </a:p>
+                    <a:p>
+                      <a:pPr latinLnBrk="1"/>
+                      <a:r>
+                        <a:rPr lang="en-US" altLang="ja-JP" sz="1200" dirty="0" smtClean="0"/>
+                        <a:t>      </a:t>
+                      </a:r>
+                      <a:r>
+                        <a:rPr lang="en-US" altLang="ja-JP" sz="1200" dirty="0" err="1" smtClean="0"/>
+                        <a:t>xtype</a:t>
+                      </a:r>
+                      <a:r>
+                        <a:rPr lang="en-US" altLang="ja-JP" sz="1200" dirty="0" smtClean="0"/>
+                        <a:t>:'panel',</a:t>
+                      </a:r>
+                    </a:p>
+                    <a:p>
+                      <a:pPr latinLnBrk="1"/>
+                      <a:r>
+                        <a:rPr lang="en-US" altLang="ja-JP" sz="1200" dirty="0" smtClean="0"/>
+                        <a:t>      </a:t>
+                      </a:r>
+                      <a:r>
+                        <a:rPr lang="en-US" altLang="ja-JP" sz="1200" dirty="0" err="1" smtClean="0"/>
+                        <a:t>title:'It</a:t>
+                      </a:r>
+                      <a:r>
+                        <a:rPr lang="en-US" altLang="ja-JP" sz="1200" dirty="0" smtClean="0"/>
+                        <a:t>\'s Wonderful',</a:t>
+                      </a:r>
+                    </a:p>
+                    <a:p>
+                      <a:pPr latinLnBrk="1"/>
+                      <a:r>
+                        <a:rPr lang="en-US" altLang="ja-JP" sz="1200" dirty="0" smtClean="0"/>
+                        <a:t>      </a:t>
+                      </a:r>
+                      <a:r>
+                        <a:rPr lang="en-US" altLang="ja-JP" sz="1200" dirty="0" err="1" smtClean="0"/>
+                        <a:t>html:'Zero</a:t>
+                      </a:r>
+                      <a:r>
+                        <a:rPr lang="en-US" altLang="ja-JP" sz="1200" dirty="0" smtClean="0"/>
+                        <a:t>\'s Component'</a:t>
+                      </a:r>
+                    </a:p>
+                    <a:p>
+                      <a:pPr latinLnBrk="1"/>
+                      <a:r>
+                        <a:rPr lang="en-US" altLang="ja-JP" sz="1200" dirty="0" smtClean="0"/>
+                        <a:t>    }]</a:t>
+                      </a:r>
+                    </a:p>
+                    <a:p>
+                      <a:pPr latinLnBrk="1"/>
+                      <a:r>
+                        <a:rPr lang="en-US" altLang="ja-JP" sz="1200" dirty="0" smtClean="0"/>
+                        <a:t>});</a:t>
+                      </a:r>
+                    </a:p>
+                  </a:txBody>
+                  <a:tcPr/>
+                </a:tc>
+              </a:tr>
+            </a:tbl>
+          </a:graphicData>
+        </a:graphic>
+      </p:graphicFrame>
+      <p:sp>
+        <p:nvSpPr>
+          <p:cNvPr id="15" name="TextBox 14"/>
+          <p:cNvSpPr txBox="1"/>
+          <p:nvPr/>
+        </p:nvSpPr>
+        <p:spPr>
+          <a:xfrm>
+            <a:off x="680321" y="3323258"/>
+            <a:ext cx="3159839" cy="307777"/>
+          </a:xfrm>
+          <a:prstGeom prst="rect">
+            <a:avLst/>
+          </a:prstGeom>
+          <a:noFill/>
+        </p:spPr>
+        <p:txBody>
+          <a:bodyPr wrap="none" rtlCol="0">
+            <a:spAutoFit/>
+          </a:bodyPr>
+          <a:lstStyle/>
+          <a:p>
+            <a:r>
+              <a:rPr lang="en-US" altLang="ja-JP" sz="1400" dirty="0" err="1" smtClean="0"/>
+              <a:t>MyNewFrame</a:t>
+            </a:r>
+            <a:r>
+              <a:rPr lang="en-US" altLang="ja-JP" sz="1400" dirty="0" smtClean="0"/>
+              <a:t>  </a:t>
             </a:r>
             <a:r>
               <a:rPr lang="en-US" altLang="ko-KR" sz="1400" dirty="0" smtClean="0"/>
-              <a:t>	</a:t>
-            </a:r>
-          </a:p>
-          <a:p>
-            <a:pPr marL="1657350" lvl="3" indent="-285750">
-              <a:buFont typeface="Arial" panose="020B0604020202020204" pitchFamily="34" charset="0"/>
-              <a:buChar char="•"/>
-            </a:pPr>
-            <a:r>
-              <a:rPr lang="en-US" altLang="ko-KR" sz="1200" dirty="0" smtClean="0"/>
-              <a:t>Anchor	  </a:t>
-            </a:r>
-            <a:r>
-              <a:rPr lang="en-US" altLang="ko-KR" sz="1100" dirty="0" smtClean="0"/>
-              <a:t>// </a:t>
-            </a:r>
-            <a:r>
-              <a:rPr lang="ko-KR" altLang="en-US" sz="1100" dirty="0" smtClean="0"/>
-              <a:t>컨테이너가 사이즈가 변경되면</a:t>
-            </a:r>
-            <a:r>
-              <a:rPr lang="en-US" altLang="ko-KR" sz="1100" dirty="0" smtClean="0"/>
-              <a:t> </a:t>
-            </a:r>
-            <a:r>
-              <a:rPr lang="ko-KR" altLang="en-US" sz="1100" dirty="0" smtClean="0"/>
-              <a:t>자식 아이템 사이즈도 변경</a:t>
-            </a:r>
-            <a:r>
-              <a:rPr lang="en-US" altLang="ko-KR" sz="1100" dirty="0" smtClean="0"/>
-              <a:t> </a:t>
-            </a:r>
-          </a:p>
-          <a:p>
-            <a:pPr marL="2114550" lvl="4" indent="-285750">
-              <a:buFont typeface="Arial" panose="020B0604020202020204" pitchFamily="34" charset="0"/>
-              <a:buChar char="•"/>
-            </a:pPr>
-            <a:r>
-              <a:rPr lang="en-US" altLang="ko-KR" sz="1100" dirty="0" err="1" smtClean="0"/>
-              <a:t>Absolue</a:t>
-            </a:r>
-            <a:r>
-              <a:rPr lang="en-US" altLang="ko-KR" sz="1100" dirty="0" smtClean="0"/>
-              <a:t>	  // </a:t>
-            </a:r>
-            <a:r>
-              <a:rPr lang="ko-KR" altLang="en-US" sz="1100" dirty="0" smtClean="0"/>
-              <a:t>컨테이너에 추가된 순서대로 배치되며 각 아이템의 </a:t>
-            </a:r>
-            <a:r>
-              <a:rPr lang="en-US" altLang="ko-KR" sz="1100" dirty="0" err="1" smtClean="0"/>
-              <a:t>x,y</a:t>
-            </a:r>
-            <a:r>
-              <a:rPr lang="en-US" altLang="ko-KR" sz="1100" dirty="0" smtClean="0"/>
-              <a:t> </a:t>
-            </a:r>
-            <a:r>
-              <a:rPr lang="ko-KR" altLang="en-US" sz="1100" dirty="0" smtClean="0"/>
-              <a:t>좌표를</a:t>
-            </a:r>
-            <a:r>
-              <a:rPr lang="en-US" altLang="ko-KR" sz="1100" dirty="0" smtClean="0"/>
-              <a:t> </a:t>
-            </a:r>
-            <a:r>
-              <a:rPr lang="ko-KR" altLang="en-US" sz="1100" dirty="0" smtClean="0"/>
-              <a:t>설정</a:t>
-            </a:r>
-            <a:r>
-              <a:rPr lang="en-US" altLang="ko-KR" sz="1100" dirty="0" smtClean="0"/>
-              <a:t>(</a:t>
-            </a:r>
-            <a:r>
-              <a:rPr lang="ko-KR" altLang="en-US" sz="1100" dirty="0" smtClean="0"/>
-              <a:t>컨테이너 </a:t>
-            </a:r>
-            <a:r>
-              <a:rPr lang="ko-KR" altLang="en-US" sz="1100" dirty="0" err="1" smtClean="0"/>
-              <a:t>크기변경시</a:t>
-            </a:r>
-            <a:r>
-              <a:rPr lang="ko-KR" altLang="en-US" sz="1100" dirty="0" smtClean="0"/>
-              <a:t> 자식아이템 사이즈 변경</a:t>
-            </a:r>
-            <a:r>
-              <a:rPr lang="en-US" altLang="ko-KR" sz="1100" dirty="0" smtClean="0"/>
-              <a:t>)</a:t>
-            </a:r>
-            <a:endParaRPr lang="en-US" altLang="ko-KR" sz="1200" dirty="0" smtClean="0"/>
-          </a:p>
-          <a:p>
-            <a:pPr marL="1657350" lvl="3" indent="-285750">
-              <a:buFont typeface="Arial" panose="020B0604020202020204" pitchFamily="34" charset="0"/>
-              <a:buChar char="•"/>
-            </a:pPr>
-            <a:r>
-              <a:rPr lang="en-US" altLang="ko-KR" sz="1200" dirty="0" smtClean="0"/>
-              <a:t>Column	  </a:t>
-            </a:r>
-            <a:r>
-              <a:rPr lang="en-US" altLang="ko-KR" sz="1100" dirty="0" smtClean="0"/>
-              <a:t>//</a:t>
-            </a:r>
-            <a:r>
-              <a:rPr lang="ko-KR" altLang="en-US" sz="1100" dirty="0" smtClean="0"/>
-              <a:t> 방향에 대한 </a:t>
-            </a:r>
-            <a:r>
-              <a:rPr lang="ko-KR" altLang="en-US" sz="1100" dirty="0" err="1" smtClean="0"/>
-              <a:t>속성없이</a:t>
-            </a:r>
-            <a:r>
-              <a:rPr lang="ko-KR" altLang="en-US" sz="1100" dirty="0" smtClean="0"/>
-              <a:t> </a:t>
-            </a:r>
-            <a:r>
-              <a:rPr lang="ko-KR" altLang="en-US" sz="1100" dirty="0" err="1" smtClean="0"/>
-              <a:t>컬럼</a:t>
-            </a:r>
-            <a:r>
-              <a:rPr lang="ko-KR" altLang="en-US" sz="1100" dirty="0" smtClean="0"/>
-              <a:t> </a:t>
-            </a:r>
-            <a:r>
-              <a:rPr lang="ko-KR" altLang="en-US" sz="1100" dirty="0" err="1" smtClean="0"/>
-              <a:t>폭에대한</a:t>
-            </a:r>
-            <a:r>
-              <a:rPr lang="ko-KR" altLang="en-US" sz="1100" dirty="0" smtClean="0"/>
-              <a:t> 설정으로 구성</a:t>
-            </a:r>
-            <a:r>
-              <a:rPr lang="en-US" altLang="ko-KR" sz="1100" dirty="0" smtClean="0"/>
-              <a:t>( </a:t>
-            </a:r>
-            <a:r>
-              <a:rPr lang="ko-KR" altLang="en-US" sz="1100" dirty="0" err="1" smtClean="0"/>
-              <a:t>컬럼폭</a:t>
-            </a:r>
-            <a:r>
-              <a:rPr lang="ko-KR" altLang="en-US" sz="1100" dirty="0" smtClean="0"/>
-              <a:t> 속성</a:t>
-            </a:r>
-            <a:r>
-              <a:rPr lang="en-US" altLang="ko-KR" sz="1100" dirty="0" smtClean="0"/>
-              <a:t>:</a:t>
-            </a:r>
-            <a:r>
-              <a:rPr lang="ko-KR" altLang="en-US" sz="1100" dirty="0" smtClean="0"/>
-              <a:t> 비율 </a:t>
-            </a:r>
-            <a:r>
-              <a:rPr lang="en-US" altLang="ko-KR" sz="1100" dirty="0" smtClean="0"/>
-              <a:t>, </a:t>
-            </a:r>
-            <a:r>
-              <a:rPr lang="ko-KR" altLang="en-US" sz="1100" dirty="0" err="1" smtClean="0"/>
-              <a:t>고정폭</a:t>
-            </a:r>
-            <a:r>
-              <a:rPr lang="en-US" altLang="ko-KR" sz="1100" dirty="0" smtClean="0"/>
-              <a:t>)</a:t>
-            </a:r>
-          </a:p>
-          <a:p>
-            <a:pPr marL="1200150" lvl="2" indent="-285750">
-              <a:buFont typeface="Arial" panose="020B0604020202020204" pitchFamily="34" charset="0"/>
-              <a:buChar char="•"/>
-            </a:pPr>
+              <a:t>Class(</a:t>
+            </a:r>
+            <a:r>
+              <a:rPr lang="en-US" altLang="ja-JP" sz="1400" dirty="0" smtClean="0"/>
+              <a:t>MyNewFrame</a:t>
+            </a:r>
             <a:r>
               <a:rPr lang="en-US" altLang="ko-KR" sz="1400" dirty="0" smtClean="0"/>
-              <a:t>Border		  </a:t>
-            </a:r>
-            <a:r>
-              <a:rPr lang="en-US" altLang="ko-KR" sz="1200" dirty="0" smtClean="0"/>
-              <a:t>// multi Region </a:t>
-            </a:r>
-            <a:r>
-              <a:rPr lang="ko-KR" altLang="en-US" sz="1200" dirty="0" smtClean="0"/>
-              <a:t>기반의  </a:t>
-            </a:r>
-            <a:r>
-              <a:rPr lang="en-US" altLang="ko-KR" sz="1200" dirty="0" smtClean="0"/>
-              <a:t>Layout , north/south/west/east/center </a:t>
-            </a:r>
-            <a:r>
-              <a:rPr lang="ko-KR" altLang="en-US" sz="1200" dirty="0" smtClean="0"/>
-              <a:t>로 구성</a:t>
-            </a:r>
-            <a:endParaRPr lang="en-US" altLang="ko-KR" sz="1400" dirty="0" smtClean="0"/>
-          </a:p>
-          <a:p>
-            <a:pPr marL="1200150" lvl="2" indent="-285750">
-              <a:buFont typeface="Arial" panose="020B0604020202020204" pitchFamily="34" charset="0"/>
-              <a:buChar char="•"/>
-            </a:pPr>
-            <a:r>
-              <a:rPr lang="en-US" altLang="ko-KR" sz="1400" dirty="0" smtClean="0"/>
-              <a:t>Box		  // </a:t>
-            </a:r>
-            <a:r>
-              <a:rPr lang="en-US" altLang="ko-KR" sz="1200" dirty="0" err="1" smtClean="0"/>
-              <a:t>Hbox</a:t>
-            </a:r>
-            <a:r>
-              <a:rPr lang="en-US" altLang="ko-KR" sz="1200" dirty="0" smtClean="0"/>
-              <a:t> </a:t>
-            </a:r>
-            <a:r>
-              <a:rPr lang="ko-KR" altLang="en-US" sz="1200" dirty="0" smtClean="0"/>
-              <a:t>와</a:t>
-            </a:r>
-            <a:r>
-              <a:rPr lang="en-US" altLang="ko-KR" sz="1200" dirty="0" smtClean="0"/>
-              <a:t> </a:t>
-            </a:r>
-            <a:r>
-              <a:rPr lang="en-US" altLang="ko-KR" sz="1200" dirty="0" err="1" smtClean="0"/>
-              <a:t>Vbox</a:t>
-            </a:r>
-            <a:r>
-              <a:rPr lang="ko-KR" altLang="en-US" sz="1200" dirty="0" smtClean="0"/>
-              <a:t>의 부모 클래스</a:t>
-            </a:r>
-            <a:endParaRPr lang="en-US" altLang="ko-KR" sz="1200" dirty="0" smtClean="0"/>
-          </a:p>
-          <a:p>
-            <a:pPr marL="1657350" lvl="3" indent="-285750">
-              <a:buFont typeface="Arial" panose="020B0604020202020204" pitchFamily="34" charset="0"/>
-              <a:buChar char="•"/>
-            </a:pPr>
-            <a:r>
-              <a:rPr lang="en-US" altLang="ko-KR" sz="1200" dirty="0" err="1" smtClean="0"/>
-              <a:t>Hbox</a:t>
-            </a:r>
-            <a:r>
-              <a:rPr lang="en-US" altLang="ko-KR" sz="1200" dirty="0" smtClean="0"/>
-              <a:t>	  //  </a:t>
-            </a:r>
-            <a:r>
-              <a:rPr lang="ko-KR" altLang="en-US" sz="1200" dirty="0" smtClean="0"/>
-              <a:t>자식 아이템들을 수평으로 배열</a:t>
-            </a:r>
-            <a:endParaRPr lang="en-US" altLang="ko-KR" sz="1200" dirty="0" smtClean="0"/>
-          </a:p>
-          <a:p>
-            <a:pPr marL="1657350" lvl="3" indent="-285750">
-              <a:buFont typeface="Arial" panose="020B0604020202020204" pitchFamily="34" charset="0"/>
-              <a:buChar char="•"/>
-            </a:pPr>
-            <a:r>
-              <a:rPr lang="en-US" altLang="ko-KR" sz="1200" dirty="0" err="1" smtClean="0"/>
-              <a:t>Vbox</a:t>
-            </a:r>
-            <a:r>
-              <a:rPr lang="en-US" altLang="ko-KR" sz="1200" dirty="0" smtClean="0"/>
-              <a:t>	  //  </a:t>
-            </a:r>
-            <a:r>
-              <a:rPr lang="ko-KR" altLang="en-US" sz="1200" dirty="0" smtClean="0"/>
-              <a:t>자식 아이템들을 수직으로 배열</a:t>
-            </a:r>
-            <a:endParaRPr lang="en-US" altLang="ko-KR" sz="1200" dirty="0" smtClean="0"/>
-          </a:p>
-          <a:p>
-            <a:pPr marL="2114550" lvl="4" indent="-285750">
-              <a:buFont typeface="Arial" panose="020B0604020202020204" pitchFamily="34" charset="0"/>
-              <a:buChar char="•"/>
-            </a:pPr>
-            <a:r>
-              <a:rPr lang="en-US" altLang="ko-KR" sz="1100" dirty="0" smtClean="0"/>
-              <a:t>Accordion   //  </a:t>
-            </a:r>
-            <a:r>
-              <a:rPr lang="ko-KR" altLang="en-US" sz="1100" dirty="0" smtClean="0"/>
-              <a:t>패널을 아코디언 스타일로 관리하는 레이아웃</a:t>
-            </a:r>
-            <a:endParaRPr lang="en-US" altLang="ko-KR" sz="1200" dirty="0" smtClean="0"/>
-          </a:p>
-          <a:p>
-            <a:pPr marL="1200150" lvl="2" indent="-285750">
-              <a:buFont typeface="Arial" panose="020B0604020202020204" pitchFamily="34" charset="0"/>
-              <a:buChar char="•"/>
-            </a:pPr>
-            <a:r>
-              <a:rPr lang="en-US" altLang="ko-KR" sz="1400" dirty="0" smtClean="0"/>
-              <a:t>Fit		</a:t>
-            </a:r>
-            <a:r>
-              <a:rPr lang="en-US" altLang="ko-KR" sz="1200" dirty="0" smtClean="0"/>
-              <a:t>  // </a:t>
-            </a:r>
-            <a:r>
-              <a:rPr lang="ko-KR" altLang="en-US" sz="1200" dirty="0" smtClean="0"/>
-              <a:t>단일 자식 아이템을 갖는 기본 레이아웃 클래스</a:t>
-            </a:r>
-            <a:endParaRPr lang="en-US" altLang="ko-KR" sz="1200" dirty="0" smtClean="0"/>
-          </a:p>
-          <a:p>
-            <a:pPr marL="1657350" lvl="3" indent="-285750">
-              <a:buFont typeface="Arial" panose="020B0604020202020204" pitchFamily="34" charset="0"/>
-              <a:buChar char="•"/>
-            </a:pPr>
-            <a:r>
-              <a:rPr lang="en-US" altLang="ko-KR" sz="1200" dirty="0" smtClean="0"/>
-              <a:t>Card	  // Wizard </a:t>
-            </a:r>
-            <a:r>
-              <a:rPr lang="ko-KR" altLang="en-US" sz="1200" dirty="0" smtClean="0"/>
-              <a:t>형식의 단계별 페이지 이동</a:t>
-            </a:r>
-            <a:endParaRPr lang="en-US" altLang="ko-KR" sz="1200" dirty="0" smtClean="0"/>
-          </a:p>
-          <a:p>
-            <a:pPr marL="1200150" lvl="2" indent="-285750">
-              <a:buFont typeface="Arial" panose="020B0604020202020204" pitchFamily="34" charset="0"/>
-              <a:buChar char="•"/>
-            </a:pPr>
-            <a:r>
-              <a:rPr lang="en-US" altLang="ko-KR" sz="1400" dirty="0" err="1" smtClean="0"/>
-              <a:t>CheckboxGroup</a:t>
-            </a:r>
-            <a:r>
-              <a:rPr lang="en-US" altLang="ko-KR" sz="1400" dirty="0" smtClean="0"/>
-              <a:t>	  </a:t>
-            </a:r>
-            <a:r>
-              <a:rPr lang="en-US" altLang="ko-KR" sz="1200" dirty="0" smtClean="0"/>
-              <a:t>// </a:t>
-            </a:r>
-            <a:r>
-              <a:rPr lang="en-US" altLang="ko-KR" sz="1200" dirty="0" err="1" smtClean="0"/>
-              <a:t>CheckBox</a:t>
-            </a:r>
-            <a:r>
-              <a:rPr lang="en-US" altLang="ko-KR" sz="1200" dirty="0" smtClean="0"/>
-              <a:t> Item  </a:t>
-            </a:r>
-            <a:r>
-              <a:rPr lang="ko-KR" altLang="en-US" sz="1200" dirty="0" smtClean="0"/>
-              <a:t>의 그룹을 관리</a:t>
-            </a:r>
-            <a:endParaRPr lang="en-US" altLang="ko-KR" sz="1200" dirty="0" smtClean="0"/>
-          </a:p>
-          <a:p>
-            <a:pPr marL="1200150" lvl="2" indent="-285750">
-              <a:buFont typeface="Arial" panose="020B0604020202020204" pitchFamily="34" charset="0"/>
-              <a:buChar char="•"/>
-            </a:pPr>
-            <a:r>
-              <a:rPr lang="en-US" altLang="ko-KR" sz="1400" dirty="0" smtClean="0"/>
-              <a:t>Form		  </a:t>
-            </a:r>
-            <a:r>
-              <a:rPr lang="en-US" altLang="ko-KR" sz="1200" dirty="0" smtClean="0"/>
-              <a:t>// Form Field</a:t>
-            </a:r>
-            <a:r>
-              <a:rPr lang="ko-KR" altLang="en-US" sz="1200" dirty="0" smtClean="0"/>
-              <a:t>를 표현 기본적으로 </a:t>
-            </a:r>
-            <a:r>
-              <a:rPr lang="en-US" altLang="ko-KR" sz="1200" dirty="0" smtClean="0"/>
-              <a:t>form field</a:t>
-            </a:r>
-            <a:r>
-              <a:rPr lang="ko-KR" altLang="en-US" sz="1200" dirty="0" smtClean="0"/>
-              <a:t>는  컨테이너 폭에 맞춰진다</a:t>
-            </a:r>
-            <a:r>
-              <a:rPr lang="en-US" altLang="ko-KR" sz="1200" dirty="0" smtClean="0"/>
-              <a:t>.</a:t>
-            </a:r>
-          </a:p>
-          <a:p>
-            <a:pPr marL="1200150" lvl="2" indent="-285750">
-              <a:buFont typeface="Arial" panose="020B0604020202020204" pitchFamily="34" charset="0"/>
-              <a:buChar char="•"/>
-            </a:pPr>
-            <a:r>
-              <a:rPr lang="en-US" altLang="ko-KR" sz="1400" dirty="0" smtClean="0"/>
-              <a:t>Table		 </a:t>
-            </a:r>
-            <a:r>
-              <a:rPr lang="en-US" altLang="ko-KR" sz="1200" dirty="0" smtClean="0"/>
-              <a:t> // Html  </a:t>
-            </a:r>
-            <a:r>
-              <a:rPr lang="ko-KR" altLang="en-US" sz="1200" dirty="0" smtClean="0"/>
-              <a:t>테이블과 유사한 아이템 배열을 제공</a:t>
-            </a:r>
-            <a:endParaRPr lang="en-US" altLang="ko-KR" sz="1200" dirty="0" smtClean="0"/>
+              <a:t>.js)</a:t>
+            </a:r>
+            <a:endParaRPr lang="ko-KR" altLang="en-US" sz="1400" dirty="0"/>
+          </a:p>
+        </p:txBody>
+      </p:sp>
+      <p:sp>
+        <p:nvSpPr>
+          <p:cNvPr id="3" name="TextBox 2"/>
+          <p:cNvSpPr txBox="1"/>
+          <p:nvPr/>
+        </p:nvSpPr>
+        <p:spPr>
+          <a:xfrm>
+            <a:off x="622249" y="5570621"/>
+            <a:ext cx="4453463" cy="369332"/>
+          </a:xfrm>
+          <a:prstGeom prst="rect">
+            <a:avLst/>
+          </a:prstGeom>
+          <a:noFill/>
+        </p:spPr>
+        <p:txBody>
+          <a:bodyPr wrap="none" rtlCol="0">
+            <a:spAutoFit/>
+          </a:bodyPr>
+          <a:lstStyle/>
+          <a:p>
+            <a:r>
+              <a:rPr lang="ko-KR" altLang="en-US" dirty="0" smtClean="0"/>
+              <a:t>새로운 기능을 갖는 컴포넌트 클래스 생성</a:t>
+            </a:r>
+            <a:endParaRPr lang="ko-KR" altLang="en-US" dirty="0"/>
+          </a:p>
+        </p:txBody>
+      </p:sp>
+      <p:sp>
+        <p:nvSpPr>
+          <p:cNvPr id="16" name="TextBox 15"/>
+          <p:cNvSpPr txBox="1"/>
+          <p:nvPr/>
+        </p:nvSpPr>
+        <p:spPr>
+          <a:xfrm>
+            <a:off x="6146213" y="5755287"/>
+            <a:ext cx="3853940" cy="369332"/>
+          </a:xfrm>
+          <a:prstGeom prst="rect">
+            <a:avLst/>
+          </a:prstGeom>
+          <a:noFill/>
+        </p:spPr>
+        <p:txBody>
+          <a:bodyPr wrap="none" rtlCol="0">
+            <a:spAutoFit/>
+          </a:bodyPr>
+          <a:lstStyle/>
+          <a:p>
+            <a:r>
+              <a:rPr lang="ko-KR" altLang="en-US" dirty="0" smtClean="0"/>
+              <a:t>컴포넌트를 사용하는 컴포넌트 객체</a:t>
+            </a:r>
+            <a:endParaRPr lang="ko-KR" altLang="en-US" dirty="0"/>
           </a:p>
         </p:txBody>
       </p:sp>
     </p:spTree>
     <p:extLst>
       <p:ext uri="{BB962C8B-B14F-4D97-AF65-F5344CB8AC3E}">
-        <p14:creationId xmlns:p14="http://schemas.microsoft.com/office/powerpoint/2010/main" val="616844946"/>
+        <p14:creationId xmlns:p14="http://schemas.microsoft.com/office/powerpoint/2010/main" val="2936386972"/>
       </p:ext>
     </p:extLst>
   </p:cSld>
@@ -9828,6 +9650,1026 @@
           <a:lstStyle/>
           <a:p>
             <a:r>
+              <a:rPr lang="en-US" altLang="ko-KR" dirty="0" smtClean="0"/>
+              <a:t>Layout</a:t>
+            </a:r>
+            <a:endParaRPr lang="ko-KR" altLang="en-US" dirty="0"/>
+          </a:p>
+        </p:txBody>
+      </p:sp>
+      <p:sp>
+        <p:nvSpPr>
+          <p:cNvPr id="3" name="내용 개체 틀 2"/>
+          <p:cNvSpPr>
+            <a:spLocks noGrp="1"/>
+          </p:cNvSpPr>
+          <p:nvPr>
+            <p:ph idx="1"/>
+          </p:nvPr>
+        </p:nvSpPr>
+        <p:spPr/>
+        <p:txBody>
+          <a:bodyPr/>
+          <a:lstStyle/>
+          <a:p>
+            <a:r>
+              <a:rPr lang="en-US" altLang="ko-KR" sz="1800" dirty="0" smtClean="0"/>
+              <a:t>Component</a:t>
+            </a:r>
+            <a:r>
+              <a:rPr lang="ko-KR" altLang="en-US" sz="1800" dirty="0" smtClean="0"/>
+              <a:t>의 배열 방식을 정의</a:t>
+            </a:r>
+            <a:endParaRPr lang="en-US" altLang="ko-KR" sz="1800" dirty="0" smtClean="0"/>
+          </a:p>
+          <a:p>
+            <a:r>
+              <a:rPr lang="en-US" altLang="ko-KR" sz="1800" dirty="0" smtClean="0"/>
+              <a:t>15</a:t>
+            </a:r>
+            <a:r>
+              <a:rPr lang="ko-KR" altLang="en-US" sz="1800" dirty="0" smtClean="0"/>
+              <a:t>가지의 기본 레이아웃 </a:t>
+            </a:r>
+            <a:r>
+              <a:rPr lang="en-US" altLang="ko-KR" sz="1800" dirty="0" smtClean="0"/>
+              <a:t>Container</a:t>
+            </a:r>
+            <a:r>
+              <a:rPr lang="ko-KR" altLang="en-US" sz="1800" dirty="0" smtClean="0"/>
+              <a:t>를 제공한다</a:t>
+            </a:r>
+            <a:r>
+              <a:rPr lang="en-US" altLang="ko-KR" sz="1800" dirty="0" smtClean="0"/>
+              <a:t>.</a:t>
+            </a:r>
+            <a:r>
+              <a:rPr lang="en-US" altLang="ko-KR" dirty="0" smtClean="0"/>
+              <a:t/>
+            </a:r>
+            <a:br>
+              <a:rPr lang="en-US" altLang="ko-KR" dirty="0" smtClean="0"/>
+            </a:br>
+            <a:endParaRPr lang="ko-KR" altLang="en-US" dirty="0"/>
+          </a:p>
+        </p:txBody>
+      </p:sp>
+      <p:sp>
+        <p:nvSpPr>
+          <p:cNvPr id="4" name="TextBox 3"/>
+          <p:cNvSpPr txBox="1"/>
+          <p:nvPr/>
+        </p:nvSpPr>
+        <p:spPr>
+          <a:xfrm>
+            <a:off x="975408" y="3072348"/>
+            <a:ext cx="10983981" cy="3323987"/>
+          </a:xfrm>
+          <a:prstGeom prst="rect">
+            <a:avLst/>
+          </a:prstGeom>
+          <a:noFill/>
+        </p:spPr>
+        <p:txBody>
+          <a:bodyPr wrap="square" rtlCol="0">
+            <a:spAutoFit/>
+          </a:bodyPr>
+          <a:lstStyle/>
+          <a:p>
+            <a:pPr marL="285750" indent="-285750">
+              <a:buFont typeface="Arial" panose="020B0604020202020204" pitchFamily="34" charset="0"/>
+              <a:buChar char="•"/>
+            </a:pPr>
+            <a:r>
+              <a:rPr lang="en-US" altLang="ko-KR" sz="1600" dirty="0" smtClean="0"/>
+              <a:t>Layout</a:t>
+            </a:r>
+          </a:p>
+          <a:p>
+            <a:pPr marL="742950" lvl="1" indent="-285750">
+              <a:buFont typeface="Arial" panose="020B0604020202020204" pitchFamily="34" charset="0"/>
+              <a:buChar char="•"/>
+            </a:pPr>
+            <a:r>
+              <a:rPr lang="en-US" altLang="ko-KR" sz="1400" dirty="0" smtClean="0"/>
+              <a:t>Container</a:t>
+            </a:r>
+          </a:p>
+          <a:p>
+            <a:pPr marL="1200150" lvl="2" indent="-285750">
+              <a:buFont typeface="Arial" panose="020B0604020202020204" pitchFamily="34" charset="0"/>
+              <a:buChar char="•"/>
+            </a:pPr>
+            <a:r>
+              <a:rPr lang="en-US" altLang="ko-KR" sz="1400" dirty="0" smtClean="0"/>
+              <a:t>Auto		  </a:t>
+            </a:r>
+            <a:r>
+              <a:rPr lang="en-US" altLang="ko-KR" sz="1100" dirty="0" smtClean="0"/>
+              <a:t>// default Layout , 	</a:t>
+            </a:r>
+            <a:r>
+              <a:rPr lang="ko-KR" altLang="en-US" sz="1100" dirty="0" smtClean="0"/>
+              <a:t>컨테이너가 사이즈가 변경되더라도</a:t>
+            </a:r>
+            <a:r>
+              <a:rPr lang="en-US" altLang="ko-KR" sz="1100" dirty="0" smtClean="0"/>
+              <a:t> </a:t>
+            </a:r>
+            <a:r>
+              <a:rPr lang="ko-KR" altLang="en-US" sz="1100" dirty="0" smtClean="0"/>
+              <a:t>자식 아이템 사이즈는 고정</a:t>
+            </a:r>
+            <a:r>
+              <a:rPr lang="en-US" altLang="ko-KR" sz="1400" dirty="0" smtClean="0"/>
+              <a:t>	</a:t>
+            </a:r>
+          </a:p>
+          <a:p>
+            <a:pPr marL="1657350" lvl="3" indent="-285750">
+              <a:buFont typeface="Arial" panose="020B0604020202020204" pitchFamily="34" charset="0"/>
+              <a:buChar char="•"/>
+            </a:pPr>
+            <a:r>
+              <a:rPr lang="en-US" altLang="ko-KR" sz="1200" dirty="0" smtClean="0"/>
+              <a:t>Anchor	  </a:t>
+            </a:r>
+            <a:r>
+              <a:rPr lang="en-US" altLang="ko-KR" sz="1100" dirty="0" smtClean="0"/>
+              <a:t>// </a:t>
+            </a:r>
+            <a:r>
+              <a:rPr lang="ko-KR" altLang="en-US" sz="1100" dirty="0" smtClean="0"/>
+              <a:t>컨테이너가 사이즈가 변경되면</a:t>
+            </a:r>
+            <a:r>
+              <a:rPr lang="en-US" altLang="ko-KR" sz="1100" dirty="0" smtClean="0"/>
+              <a:t> </a:t>
+            </a:r>
+            <a:r>
+              <a:rPr lang="ko-KR" altLang="en-US" sz="1100" dirty="0" smtClean="0"/>
+              <a:t>자식 아이템 사이즈도 변경</a:t>
+            </a:r>
+            <a:r>
+              <a:rPr lang="en-US" altLang="ko-KR" sz="1100" dirty="0" smtClean="0"/>
+              <a:t> </a:t>
+            </a:r>
+          </a:p>
+          <a:p>
+            <a:pPr marL="2114550" lvl="4" indent="-285750">
+              <a:buFont typeface="Arial" panose="020B0604020202020204" pitchFamily="34" charset="0"/>
+              <a:buChar char="•"/>
+            </a:pPr>
+            <a:r>
+              <a:rPr lang="en-US" altLang="ko-KR" sz="1100" dirty="0" err="1" smtClean="0"/>
+              <a:t>Absolue</a:t>
+            </a:r>
+            <a:r>
+              <a:rPr lang="en-US" altLang="ko-KR" sz="1100" dirty="0" smtClean="0"/>
+              <a:t>	  // </a:t>
+            </a:r>
+            <a:r>
+              <a:rPr lang="ko-KR" altLang="en-US" sz="1100" dirty="0" smtClean="0"/>
+              <a:t>컨테이너에 추가된 순서대로 배치되며 각 아이템의 </a:t>
+            </a:r>
+            <a:r>
+              <a:rPr lang="en-US" altLang="ko-KR" sz="1100" dirty="0" err="1" smtClean="0"/>
+              <a:t>x,y</a:t>
+            </a:r>
+            <a:r>
+              <a:rPr lang="en-US" altLang="ko-KR" sz="1100" dirty="0" smtClean="0"/>
+              <a:t> </a:t>
+            </a:r>
+            <a:r>
+              <a:rPr lang="ko-KR" altLang="en-US" sz="1100" dirty="0" smtClean="0"/>
+              <a:t>좌표를</a:t>
+            </a:r>
+            <a:r>
+              <a:rPr lang="en-US" altLang="ko-KR" sz="1100" dirty="0" smtClean="0"/>
+              <a:t> </a:t>
+            </a:r>
+            <a:r>
+              <a:rPr lang="ko-KR" altLang="en-US" sz="1100" dirty="0" smtClean="0"/>
+              <a:t>설정</a:t>
+            </a:r>
+            <a:r>
+              <a:rPr lang="en-US" altLang="ko-KR" sz="1100" dirty="0" smtClean="0"/>
+              <a:t>(</a:t>
+            </a:r>
+            <a:r>
+              <a:rPr lang="ko-KR" altLang="en-US" sz="1100" dirty="0" smtClean="0"/>
+              <a:t>컨테이너 </a:t>
+            </a:r>
+            <a:r>
+              <a:rPr lang="ko-KR" altLang="en-US" sz="1100" dirty="0" err="1" smtClean="0"/>
+              <a:t>크기변경시</a:t>
+            </a:r>
+            <a:r>
+              <a:rPr lang="ko-KR" altLang="en-US" sz="1100" dirty="0" smtClean="0"/>
+              <a:t> 자식아이템 사이즈 변경</a:t>
+            </a:r>
+            <a:r>
+              <a:rPr lang="en-US" altLang="ko-KR" sz="1100" dirty="0" smtClean="0"/>
+              <a:t>)</a:t>
+            </a:r>
+            <a:endParaRPr lang="en-US" altLang="ko-KR" sz="1200" dirty="0" smtClean="0"/>
+          </a:p>
+          <a:p>
+            <a:pPr marL="1657350" lvl="3" indent="-285750">
+              <a:buFont typeface="Arial" panose="020B0604020202020204" pitchFamily="34" charset="0"/>
+              <a:buChar char="•"/>
+            </a:pPr>
+            <a:r>
+              <a:rPr lang="en-US" altLang="ko-KR" sz="1200" dirty="0" smtClean="0"/>
+              <a:t>Column	  </a:t>
+            </a:r>
+            <a:r>
+              <a:rPr lang="en-US" altLang="ko-KR" sz="1100" dirty="0" smtClean="0"/>
+              <a:t>//</a:t>
+            </a:r>
+            <a:r>
+              <a:rPr lang="ko-KR" altLang="en-US" sz="1100" dirty="0" smtClean="0"/>
+              <a:t> 방향에 대한 </a:t>
+            </a:r>
+            <a:r>
+              <a:rPr lang="ko-KR" altLang="en-US" sz="1100" dirty="0" err="1" smtClean="0"/>
+              <a:t>속성없이</a:t>
+            </a:r>
+            <a:r>
+              <a:rPr lang="ko-KR" altLang="en-US" sz="1100" dirty="0" smtClean="0"/>
+              <a:t> </a:t>
+            </a:r>
+            <a:r>
+              <a:rPr lang="ko-KR" altLang="en-US" sz="1100" dirty="0" err="1" smtClean="0"/>
+              <a:t>컬럼</a:t>
+            </a:r>
+            <a:r>
+              <a:rPr lang="ko-KR" altLang="en-US" sz="1100" dirty="0" smtClean="0"/>
+              <a:t> </a:t>
+            </a:r>
+            <a:r>
+              <a:rPr lang="ko-KR" altLang="en-US" sz="1100" dirty="0" err="1" smtClean="0"/>
+              <a:t>폭에대한</a:t>
+            </a:r>
+            <a:r>
+              <a:rPr lang="ko-KR" altLang="en-US" sz="1100" dirty="0" smtClean="0"/>
+              <a:t> 설정으로 구성</a:t>
+            </a:r>
+            <a:r>
+              <a:rPr lang="en-US" altLang="ko-KR" sz="1100" dirty="0" smtClean="0"/>
+              <a:t>( </a:t>
+            </a:r>
+            <a:r>
+              <a:rPr lang="ko-KR" altLang="en-US" sz="1100" dirty="0" err="1" smtClean="0"/>
+              <a:t>컬럼폭</a:t>
+            </a:r>
+            <a:r>
+              <a:rPr lang="ko-KR" altLang="en-US" sz="1100" dirty="0" smtClean="0"/>
+              <a:t> 속성</a:t>
+            </a:r>
+            <a:r>
+              <a:rPr lang="en-US" altLang="ko-KR" sz="1100" dirty="0" smtClean="0"/>
+              <a:t>:</a:t>
+            </a:r>
+            <a:r>
+              <a:rPr lang="ko-KR" altLang="en-US" sz="1100" dirty="0" smtClean="0"/>
+              <a:t> 비율 </a:t>
+            </a:r>
+            <a:r>
+              <a:rPr lang="en-US" altLang="ko-KR" sz="1100" dirty="0" smtClean="0"/>
+              <a:t>, </a:t>
+            </a:r>
+            <a:r>
+              <a:rPr lang="ko-KR" altLang="en-US" sz="1100" dirty="0" err="1" smtClean="0"/>
+              <a:t>고정폭</a:t>
+            </a:r>
+            <a:r>
+              <a:rPr lang="en-US" altLang="ko-KR" sz="1100" dirty="0" smtClean="0"/>
+              <a:t>)</a:t>
+            </a:r>
+          </a:p>
+          <a:p>
+            <a:pPr marL="1200150" lvl="2" indent="-285750">
+              <a:buFont typeface="Arial" panose="020B0604020202020204" pitchFamily="34" charset="0"/>
+              <a:buChar char="•"/>
+            </a:pPr>
+            <a:r>
+              <a:rPr lang="en-US" altLang="ko-KR" sz="1400" dirty="0" smtClean="0"/>
+              <a:t>Border		  </a:t>
+            </a:r>
+            <a:r>
+              <a:rPr lang="en-US" altLang="ko-KR" sz="1200" dirty="0" smtClean="0"/>
+              <a:t>// multi Region </a:t>
+            </a:r>
+            <a:r>
+              <a:rPr lang="ko-KR" altLang="en-US" sz="1200" dirty="0" smtClean="0"/>
+              <a:t>기반의  </a:t>
+            </a:r>
+            <a:r>
+              <a:rPr lang="en-US" altLang="ko-KR" sz="1200" dirty="0" smtClean="0"/>
+              <a:t>Layout , north/south/west/east/center </a:t>
+            </a:r>
+            <a:r>
+              <a:rPr lang="ko-KR" altLang="en-US" sz="1200" dirty="0" smtClean="0"/>
+              <a:t>로 구성</a:t>
+            </a:r>
+            <a:endParaRPr lang="en-US" altLang="ko-KR" sz="1400" dirty="0" smtClean="0"/>
+          </a:p>
+          <a:p>
+            <a:pPr marL="1200150" lvl="2" indent="-285750">
+              <a:buFont typeface="Arial" panose="020B0604020202020204" pitchFamily="34" charset="0"/>
+              <a:buChar char="•"/>
+            </a:pPr>
+            <a:r>
+              <a:rPr lang="en-US" altLang="ko-KR" sz="1400" dirty="0" smtClean="0"/>
+              <a:t>Box		  // </a:t>
+            </a:r>
+            <a:r>
+              <a:rPr lang="en-US" altLang="ko-KR" sz="1200" dirty="0" err="1" smtClean="0"/>
+              <a:t>Hbox</a:t>
+            </a:r>
+            <a:r>
+              <a:rPr lang="en-US" altLang="ko-KR" sz="1200" dirty="0" smtClean="0"/>
+              <a:t> </a:t>
+            </a:r>
+            <a:r>
+              <a:rPr lang="ko-KR" altLang="en-US" sz="1200" dirty="0" smtClean="0"/>
+              <a:t>와</a:t>
+            </a:r>
+            <a:r>
+              <a:rPr lang="en-US" altLang="ko-KR" sz="1200" dirty="0" smtClean="0"/>
+              <a:t> </a:t>
+            </a:r>
+            <a:r>
+              <a:rPr lang="en-US" altLang="ko-KR" sz="1200" dirty="0" err="1" smtClean="0"/>
+              <a:t>Vbox</a:t>
+            </a:r>
+            <a:r>
+              <a:rPr lang="ko-KR" altLang="en-US" sz="1200" dirty="0" smtClean="0"/>
+              <a:t>의 부모 클래스</a:t>
+            </a:r>
+            <a:endParaRPr lang="en-US" altLang="ko-KR" sz="1200" dirty="0" smtClean="0"/>
+          </a:p>
+          <a:p>
+            <a:pPr marL="1657350" lvl="3" indent="-285750">
+              <a:buFont typeface="Arial" panose="020B0604020202020204" pitchFamily="34" charset="0"/>
+              <a:buChar char="•"/>
+            </a:pPr>
+            <a:r>
+              <a:rPr lang="en-US" altLang="ko-KR" sz="1200" dirty="0" err="1" smtClean="0"/>
+              <a:t>Hbox</a:t>
+            </a:r>
+            <a:r>
+              <a:rPr lang="en-US" altLang="ko-KR" sz="1200" dirty="0" smtClean="0"/>
+              <a:t>	  //  </a:t>
+            </a:r>
+            <a:r>
+              <a:rPr lang="ko-KR" altLang="en-US" sz="1200" dirty="0" smtClean="0"/>
+              <a:t>자식 아이템들을 수평으로 배열</a:t>
+            </a:r>
+            <a:endParaRPr lang="en-US" altLang="ko-KR" sz="1200" dirty="0" smtClean="0"/>
+          </a:p>
+          <a:p>
+            <a:pPr marL="1657350" lvl="3" indent="-285750">
+              <a:buFont typeface="Arial" panose="020B0604020202020204" pitchFamily="34" charset="0"/>
+              <a:buChar char="•"/>
+            </a:pPr>
+            <a:r>
+              <a:rPr lang="en-US" altLang="ko-KR" sz="1200" dirty="0" err="1" smtClean="0"/>
+              <a:t>Vbox</a:t>
+            </a:r>
+            <a:r>
+              <a:rPr lang="en-US" altLang="ko-KR" sz="1200" dirty="0" smtClean="0"/>
+              <a:t>	  //  </a:t>
+            </a:r>
+            <a:r>
+              <a:rPr lang="ko-KR" altLang="en-US" sz="1200" dirty="0" smtClean="0"/>
+              <a:t>자식 아이템들을 수직으로 배열</a:t>
+            </a:r>
+            <a:endParaRPr lang="en-US" altLang="ko-KR" sz="1200" dirty="0" smtClean="0"/>
+          </a:p>
+          <a:p>
+            <a:pPr marL="2114550" lvl="4" indent="-285750">
+              <a:buFont typeface="Arial" panose="020B0604020202020204" pitchFamily="34" charset="0"/>
+              <a:buChar char="•"/>
+            </a:pPr>
+            <a:r>
+              <a:rPr lang="en-US" altLang="ko-KR" sz="1100" dirty="0" smtClean="0"/>
+              <a:t>Accordion   //  </a:t>
+            </a:r>
+            <a:r>
+              <a:rPr lang="ko-KR" altLang="en-US" sz="1100" dirty="0" smtClean="0"/>
+              <a:t>패널을 아코디언 스타일로 관리하는 레이아웃</a:t>
+            </a:r>
+            <a:endParaRPr lang="en-US" altLang="ko-KR" sz="1200" dirty="0" smtClean="0"/>
+          </a:p>
+          <a:p>
+            <a:pPr marL="1200150" lvl="2" indent="-285750">
+              <a:buFont typeface="Arial" panose="020B0604020202020204" pitchFamily="34" charset="0"/>
+              <a:buChar char="•"/>
+            </a:pPr>
+            <a:r>
+              <a:rPr lang="en-US" altLang="ko-KR" sz="1400" dirty="0" smtClean="0"/>
+              <a:t>Fit		</a:t>
+            </a:r>
+            <a:r>
+              <a:rPr lang="en-US" altLang="ko-KR" sz="1200" dirty="0" smtClean="0"/>
+              <a:t>  // </a:t>
+            </a:r>
+            <a:r>
+              <a:rPr lang="ko-KR" altLang="en-US" sz="1200" dirty="0" smtClean="0"/>
+              <a:t>단일 자식 아이템을 갖는 기본 레이아웃 클래스</a:t>
+            </a:r>
+            <a:endParaRPr lang="en-US" altLang="ko-KR" sz="1200" dirty="0" smtClean="0"/>
+          </a:p>
+          <a:p>
+            <a:pPr marL="1657350" lvl="3" indent="-285750">
+              <a:buFont typeface="Arial" panose="020B0604020202020204" pitchFamily="34" charset="0"/>
+              <a:buChar char="•"/>
+            </a:pPr>
+            <a:r>
+              <a:rPr lang="en-US" altLang="ko-KR" sz="1200" dirty="0" smtClean="0"/>
+              <a:t>Card	  // Wizard </a:t>
+            </a:r>
+            <a:r>
+              <a:rPr lang="ko-KR" altLang="en-US" sz="1200" dirty="0" smtClean="0"/>
+              <a:t>형식의 단계별 페이지 이동</a:t>
+            </a:r>
+            <a:endParaRPr lang="en-US" altLang="ko-KR" sz="1200" dirty="0" smtClean="0"/>
+          </a:p>
+          <a:p>
+            <a:pPr marL="1200150" lvl="2" indent="-285750">
+              <a:buFont typeface="Arial" panose="020B0604020202020204" pitchFamily="34" charset="0"/>
+              <a:buChar char="•"/>
+            </a:pPr>
+            <a:r>
+              <a:rPr lang="en-US" altLang="ko-KR" sz="1400" dirty="0" err="1" smtClean="0"/>
+              <a:t>CheckboxGroup</a:t>
+            </a:r>
+            <a:r>
+              <a:rPr lang="en-US" altLang="ko-KR" sz="1400" dirty="0" smtClean="0"/>
+              <a:t>	  </a:t>
+            </a:r>
+            <a:r>
+              <a:rPr lang="en-US" altLang="ko-KR" sz="1200" dirty="0" smtClean="0"/>
+              <a:t>// </a:t>
+            </a:r>
+            <a:r>
+              <a:rPr lang="en-US" altLang="ko-KR" sz="1200" dirty="0" err="1" smtClean="0"/>
+              <a:t>CheckBox</a:t>
+            </a:r>
+            <a:r>
+              <a:rPr lang="en-US" altLang="ko-KR" sz="1200" dirty="0" smtClean="0"/>
+              <a:t> Item  </a:t>
+            </a:r>
+            <a:r>
+              <a:rPr lang="ko-KR" altLang="en-US" sz="1200" dirty="0" smtClean="0"/>
+              <a:t>의 그룹을 관리</a:t>
+            </a:r>
+            <a:endParaRPr lang="en-US" altLang="ko-KR" sz="1200" dirty="0" smtClean="0"/>
+          </a:p>
+          <a:p>
+            <a:pPr marL="1200150" lvl="2" indent="-285750">
+              <a:buFont typeface="Arial" panose="020B0604020202020204" pitchFamily="34" charset="0"/>
+              <a:buChar char="•"/>
+            </a:pPr>
+            <a:r>
+              <a:rPr lang="en-US" altLang="ko-KR" sz="1400" dirty="0" smtClean="0"/>
+              <a:t>Form		  </a:t>
+            </a:r>
+            <a:r>
+              <a:rPr lang="en-US" altLang="ko-KR" sz="1200" dirty="0" smtClean="0"/>
+              <a:t>// Form Field</a:t>
+            </a:r>
+            <a:r>
+              <a:rPr lang="ko-KR" altLang="en-US" sz="1200" dirty="0" smtClean="0"/>
+              <a:t>를 표현 기본적으로 </a:t>
+            </a:r>
+            <a:r>
+              <a:rPr lang="en-US" altLang="ko-KR" sz="1200" dirty="0" smtClean="0"/>
+              <a:t>form field</a:t>
+            </a:r>
+            <a:r>
+              <a:rPr lang="ko-KR" altLang="en-US" sz="1200" dirty="0" smtClean="0"/>
+              <a:t>는  컨테이너 폭에 맞춰진다</a:t>
+            </a:r>
+            <a:r>
+              <a:rPr lang="en-US" altLang="ko-KR" sz="1200" dirty="0" smtClean="0"/>
+              <a:t>.</a:t>
+            </a:r>
+          </a:p>
+          <a:p>
+            <a:pPr marL="1200150" lvl="2" indent="-285750">
+              <a:buFont typeface="Arial" panose="020B0604020202020204" pitchFamily="34" charset="0"/>
+              <a:buChar char="•"/>
+            </a:pPr>
+            <a:r>
+              <a:rPr lang="en-US" altLang="ko-KR" sz="1400" dirty="0" smtClean="0"/>
+              <a:t>Table		 </a:t>
+            </a:r>
+            <a:r>
+              <a:rPr lang="en-US" altLang="ko-KR" sz="1200" dirty="0" smtClean="0"/>
+              <a:t> // Html  </a:t>
+            </a:r>
+            <a:r>
+              <a:rPr lang="ko-KR" altLang="en-US" sz="1200" dirty="0" smtClean="0"/>
+              <a:t>테이블과 유사한 아이템 배열을 제공</a:t>
+            </a:r>
+            <a:endParaRPr lang="en-US" altLang="ko-KR" sz="1200" dirty="0" smtClean="0"/>
+          </a:p>
+        </p:txBody>
+      </p:sp>
+    </p:spTree>
+    <p:extLst>
+      <p:ext uri="{BB962C8B-B14F-4D97-AF65-F5344CB8AC3E}">
+        <p14:creationId xmlns:p14="http://schemas.microsoft.com/office/powerpoint/2010/main" val="616844946"/>
+      </p:ext>
+    </p:extLst>
+  </p:cSld>
+  <p:clrMapOvr>
+    <a:masterClrMapping/>
+  </p:clrMapOvr>
+  <p:timing>
+    <p:tnLst>
+      <p:par>
+        <p:cTn id="1" dur="indefinite" restart="never" nodeType="tmRoot"/>
+      </p:par>
+    </p:tnLst>
+  </p:timing>
+</p:sld>
+</file>
+
+<file path=ppt/slides/slide14.xml><?xml version="1.0" encoding="utf-8"?>
+<p:sld xmlns:a="http://schemas.openxmlformats.org/drawingml/2006/main" xmlns:r="http://schemas.openxmlformats.org/officeDocument/2006/relationships" xmlns:p="http://schemas.openxmlformats.org/presentationml/2006/main">
+  <p:cSld>
+    <p:spTree>
+      <p:nvGrpSpPr>
+        <p:cNvPr id="1" name=""/>
+        <p:cNvGrpSpPr/>
+        <p:nvPr/>
+      </p:nvGrpSpPr>
+      <p:grpSpPr>
+        <a:xfrm>
+          <a:off x="0" y="0"/>
+          <a:ext cx="0" cy="0"/>
+          <a:chOff x="0" y="0"/>
+          <a:chExt cx="0" cy="0"/>
+        </a:xfrm>
+      </p:grpSpPr>
+      <p:sp>
+        <p:nvSpPr>
+          <p:cNvPr id="2" name="제목 1"/>
+          <p:cNvSpPr>
+            <a:spLocks noGrp="1"/>
+          </p:cNvSpPr>
+          <p:nvPr>
+            <p:ph type="title"/>
+          </p:nvPr>
+        </p:nvSpPr>
+        <p:spPr/>
+        <p:txBody>
+          <a:bodyPr/>
+          <a:lstStyle/>
+          <a:p>
+            <a:r>
+              <a:rPr lang="en-US" altLang="ko-KR" dirty="0" smtClean="0"/>
+              <a:t>Data Package</a:t>
+            </a:r>
+            <a:endParaRPr lang="ko-KR" altLang="en-US" dirty="0"/>
+          </a:p>
+        </p:txBody>
+      </p:sp>
+      <p:sp>
+        <p:nvSpPr>
+          <p:cNvPr id="3" name="내용 개체 틀 2"/>
+          <p:cNvSpPr>
+            <a:spLocks noGrp="1"/>
+          </p:cNvSpPr>
+          <p:nvPr>
+            <p:ph idx="1"/>
+          </p:nvPr>
+        </p:nvSpPr>
+        <p:spPr>
+          <a:xfrm>
+            <a:off x="680321" y="2336872"/>
+            <a:ext cx="9613861" cy="4232369"/>
+          </a:xfrm>
+        </p:spPr>
+        <p:txBody>
+          <a:bodyPr>
+            <a:normAutofit/>
+          </a:bodyPr>
+          <a:lstStyle/>
+          <a:p>
+            <a:r>
+              <a:rPr lang="en-US" altLang="ko-KR" sz="1800" dirty="0" smtClean="0"/>
+              <a:t>Application </a:t>
+            </a:r>
+            <a:r>
+              <a:rPr lang="ko-KR" altLang="en-US" sz="1800" dirty="0" smtClean="0"/>
+              <a:t>에서 데이터를  </a:t>
+            </a:r>
+            <a:r>
+              <a:rPr lang="en-US" altLang="ko-KR" sz="1800" dirty="0" smtClean="0"/>
+              <a:t>Load, Save /Update </a:t>
+            </a:r>
+            <a:r>
+              <a:rPr lang="ko-KR" altLang="en-US" sz="1800" dirty="0" err="1" smtClean="0"/>
+              <a:t>하기위한</a:t>
+            </a:r>
+            <a:r>
+              <a:rPr lang="en-US" altLang="ko-KR" sz="1800" dirty="0" smtClean="0"/>
+              <a:t> </a:t>
+            </a:r>
+            <a:r>
+              <a:rPr lang="ko-KR" altLang="en-US" sz="1800" dirty="0" smtClean="0"/>
+              <a:t>기능을 제공</a:t>
+            </a:r>
+            <a:endParaRPr lang="en-US" altLang="ko-KR" sz="1800" dirty="0" smtClean="0"/>
+          </a:p>
+          <a:p>
+            <a:r>
+              <a:rPr lang="ko-KR" altLang="en-US" sz="1800" dirty="0" smtClean="0"/>
+              <a:t>주요 </a:t>
+            </a:r>
+            <a:r>
+              <a:rPr lang="en-US" altLang="ko-KR" sz="1800" dirty="0" smtClean="0"/>
+              <a:t>Class</a:t>
+            </a:r>
+            <a:r>
+              <a:rPr lang="ko-KR" altLang="en-US" sz="1800" dirty="0" smtClean="0"/>
+              <a:t>로는  </a:t>
+            </a:r>
+            <a:r>
+              <a:rPr lang="en-US" altLang="ko-KR" sz="1800" dirty="0" smtClean="0"/>
+              <a:t>Model , Store , </a:t>
+            </a:r>
+            <a:r>
+              <a:rPr lang="en-US" altLang="ko-KR" sz="1800" dirty="0" err="1" smtClean="0"/>
+              <a:t>Ext.data.proxy.Proxy</a:t>
+            </a:r>
+            <a:r>
+              <a:rPr lang="en-US" altLang="ko-KR" sz="1800" dirty="0" smtClean="0"/>
+              <a:t> </a:t>
+            </a:r>
+            <a:r>
+              <a:rPr lang="ko-KR" altLang="en-US" sz="1800" dirty="0" smtClean="0"/>
+              <a:t>가 있다</a:t>
+            </a:r>
+            <a:r>
+              <a:rPr lang="en-US" altLang="ko-KR" sz="1800" dirty="0" smtClean="0"/>
+              <a:t>.</a:t>
+            </a:r>
+          </a:p>
+          <a:p>
+            <a:pPr lvl="1"/>
+            <a:r>
+              <a:rPr lang="en-US" altLang="ko-KR" sz="1400" dirty="0" smtClean="0"/>
+              <a:t>Model </a:t>
+            </a:r>
+          </a:p>
+          <a:p>
+            <a:pPr lvl="2"/>
+            <a:r>
+              <a:rPr lang="en-US" altLang="ko-KR" sz="1200" dirty="0" err="1" smtClean="0"/>
+              <a:t>DataPacakge</a:t>
+            </a:r>
+            <a:r>
+              <a:rPr lang="ko-KR" altLang="en-US" sz="1200" dirty="0" smtClean="0"/>
+              <a:t>의 핵심 클래스로 </a:t>
+            </a:r>
+            <a:r>
+              <a:rPr lang="en-US" altLang="ko-KR" sz="1200" dirty="0" smtClean="0"/>
+              <a:t>Schema , Relation </a:t>
+            </a:r>
+            <a:r>
+              <a:rPr lang="ko-KR" altLang="en-US" sz="1200" dirty="0" smtClean="0"/>
+              <a:t>정의 </a:t>
+            </a:r>
+            <a:endParaRPr lang="en-US" altLang="ko-KR" sz="1200" dirty="0" smtClean="0"/>
+          </a:p>
+          <a:p>
+            <a:pPr lvl="2"/>
+            <a:r>
+              <a:rPr lang="ko-KR" altLang="en-US" sz="1200" dirty="0" smtClean="0"/>
+              <a:t>각 </a:t>
+            </a:r>
+            <a:r>
+              <a:rPr lang="en-US" altLang="ko-KR" sz="1200" dirty="0" smtClean="0"/>
+              <a:t>Field </a:t>
+            </a:r>
+            <a:r>
+              <a:rPr lang="ko-KR" altLang="en-US" sz="1200" dirty="0" smtClean="0"/>
+              <a:t>에 대한 유효성 체크 설정</a:t>
+            </a:r>
+            <a:r>
+              <a:rPr lang="en-US" altLang="ko-KR" sz="1200" dirty="0" smtClean="0"/>
+              <a:t>.</a:t>
+            </a:r>
+          </a:p>
+          <a:p>
+            <a:pPr lvl="1"/>
+            <a:r>
+              <a:rPr lang="en-US" altLang="ko-KR" sz="1400" dirty="0" smtClean="0"/>
+              <a:t>Proxy</a:t>
+            </a:r>
+          </a:p>
+          <a:p>
+            <a:pPr lvl="2"/>
+            <a:r>
+              <a:rPr lang="en-US" altLang="ko-KR" sz="1200" dirty="0" smtClean="0"/>
+              <a:t>Proxy Class</a:t>
+            </a:r>
+            <a:r>
+              <a:rPr lang="ko-KR" altLang="en-US" sz="1200" dirty="0" smtClean="0"/>
+              <a:t>는  </a:t>
+            </a:r>
+            <a:r>
+              <a:rPr lang="en-US" altLang="ko-KR" sz="1200" dirty="0" smtClean="0"/>
+              <a:t>Store  Class </a:t>
+            </a:r>
+            <a:r>
+              <a:rPr lang="ko-KR" altLang="en-US" sz="1200" dirty="0" smtClean="0"/>
+              <a:t>에서  </a:t>
+            </a:r>
+            <a:r>
+              <a:rPr lang="en-US" altLang="ko-KR" sz="1200" dirty="0" smtClean="0"/>
+              <a:t>Model </a:t>
+            </a:r>
+            <a:r>
+              <a:rPr lang="ko-KR" altLang="en-US" sz="1200" dirty="0" smtClean="0"/>
+              <a:t>을 조회</a:t>
+            </a:r>
+            <a:r>
+              <a:rPr lang="en-US" altLang="ko-KR" sz="1200" dirty="0" smtClean="0"/>
+              <a:t>/</a:t>
+            </a:r>
+            <a:r>
+              <a:rPr lang="ko-KR" altLang="en-US" sz="1200" dirty="0" smtClean="0"/>
+              <a:t>저장하기 위하여 사용한다</a:t>
+            </a:r>
+            <a:r>
+              <a:rPr lang="en-US" altLang="ko-KR" sz="1200" dirty="0" smtClean="0"/>
+              <a:t>.</a:t>
+            </a:r>
+          </a:p>
+          <a:p>
+            <a:pPr lvl="2"/>
+            <a:r>
+              <a:rPr lang="en-US" altLang="ko-KR" sz="1200" dirty="0" smtClean="0"/>
+              <a:t>Proxy </a:t>
+            </a:r>
+            <a:r>
+              <a:rPr lang="ko-KR" altLang="en-US" sz="1200" dirty="0" smtClean="0"/>
+              <a:t>종류로는 </a:t>
+            </a:r>
+            <a:endParaRPr lang="en-US" altLang="ko-KR" sz="1200" dirty="0" smtClean="0"/>
+          </a:p>
+          <a:p>
+            <a:pPr lvl="3"/>
+            <a:r>
+              <a:rPr lang="en-US" altLang="ko-KR" sz="1000" dirty="0" err="1" smtClean="0"/>
+              <a:t>LocalStorage</a:t>
+            </a:r>
+            <a:r>
+              <a:rPr lang="en-US" altLang="ko-KR" sz="1000" dirty="0"/>
+              <a:t> </a:t>
+            </a:r>
+            <a:r>
+              <a:rPr lang="en-US" altLang="ko-KR" sz="1000" dirty="0" smtClean="0"/>
+              <a:t>    :  </a:t>
+            </a:r>
+            <a:r>
+              <a:rPr lang="ko-KR" altLang="en-US" sz="1000" dirty="0" smtClean="0"/>
+              <a:t>브라우저가 지원한다면 로컬저장소에 데이터를 처리</a:t>
+            </a:r>
+            <a:endParaRPr lang="en-US" altLang="ko-KR" sz="1000" dirty="0"/>
+          </a:p>
+          <a:p>
+            <a:pPr lvl="3"/>
+            <a:r>
+              <a:rPr lang="en-US" altLang="ko-KR" sz="1000" dirty="0" err="1" smtClean="0"/>
+              <a:t>SessionStorage</a:t>
+            </a:r>
+            <a:r>
+              <a:rPr lang="en-US" altLang="ko-KR" sz="1000" dirty="0" smtClean="0"/>
+              <a:t>  :   </a:t>
+            </a:r>
+            <a:r>
+              <a:rPr lang="ko-KR" altLang="en-US" sz="1000" dirty="0" smtClean="0"/>
+              <a:t>브라우저가 </a:t>
+            </a:r>
+            <a:r>
+              <a:rPr lang="ko-KR" altLang="en-US" sz="1000" dirty="0"/>
+              <a:t>지원한다면 </a:t>
+            </a:r>
+            <a:r>
+              <a:rPr lang="en-US" altLang="ko-KR" sz="1000" dirty="0" err="1" smtClean="0"/>
+              <a:t>Sesion</a:t>
+            </a:r>
+            <a:r>
+              <a:rPr lang="ko-KR" altLang="en-US" sz="1000" dirty="0" smtClean="0"/>
+              <a:t>저장소에 </a:t>
+            </a:r>
+            <a:r>
+              <a:rPr lang="ko-KR" altLang="en-US" sz="1000" dirty="0"/>
+              <a:t>데이터를 처리</a:t>
+            </a:r>
+            <a:endParaRPr lang="en-US" altLang="ko-KR" sz="1000" dirty="0" smtClean="0"/>
+          </a:p>
+          <a:p>
+            <a:pPr lvl="3"/>
+            <a:r>
+              <a:rPr lang="en-US" altLang="ko-KR" sz="1000" dirty="0" err="1" smtClean="0"/>
+              <a:t>MemoryStorage</a:t>
+            </a:r>
+            <a:r>
+              <a:rPr lang="en-US" altLang="ko-KR" sz="1000" dirty="0" smtClean="0"/>
+              <a:t>  :  Data </a:t>
+            </a:r>
+            <a:r>
+              <a:rPr lang="ko-KR" altLang="en-US" sz="1000" dirty="0" smtClean="0"/>
+              <a:t>를  </a:t>
+            </a:r>
+            <a:r>
+              <a:rPr lang="en-US" altLang="ko-KR" sz="1000" dirty="0" smtClean="0"/>
+              <a:t>Memory </a:t>
+            </a:r>
+            <a:r>
+              <a:rPr lang="ko-KR" altLang="en-US" sz="1000" dirty="0" smtClean="0"/>
+              <a:t>에 저장한다 </a:t>
+            </a:r>
+            <a:r>
+              <a:rPr lang="en-US" altLang="ko-KR" sz="1000" dirty="0" smtClean="0"/>
+              <a:t>. </a:t>
+            </a:r>
+            <a:r>
+              <a:rPr lang="ko-KR" altLang="en-US" sz="1000" dirty="0" smtClean="0"/>
+              <a:t>페이지 </a:t>
+            </a:r>
+            <a:r>
+              <a:rPr lang="ko-KR" altLang="en-US" sz="1000" dirty="0" err="1" smtClean="0"/>
+              <a:t>갱신시</a:t>
+            </a:r>
+            <a:r>
+              <a:rPr lang="ko-KR" altLang="en-US" sz="1000" dirty="0" smtClean="0"/>
+              <a:t> 데이터 소실</a:t>
+            </a:r>
+            <a:r>
+              <a:rPr lang="en-US" altLang="ko-KR" sz="1000" dirty="0" smtClean="0"/>
+              <a:t>.</a:t>
+            </a:r>
+          </a:p>
+          <a:p>
+            <a:pPr lvl="2"/>
+            <a:r>
+              <a:rPr lang="ko-KR" altLang="en-US" sz="1200" dirty="0" smtClean="0"/>
+              <a:t>통신방식에 대한 지원</a:t>
+            </a:r>
+            <a:endParaRPr lang="en-US" altLang="ko-KR" sz="1200" dirty="0" smtClean="0"/>
+          </a:p>
+          <a:p>
+            <a:pPr lvl="3"/>
+            <a:r>
+              <a:rPr lang="en-US" altLang="ko-KR" sz="1000" dirty="0" smtClean="0"/>
+              <a:t>Ajax , </a:t>
+            </a:r>
+            <a:r>
+              <a:rPr lang="en-US" altLang="ko-KR" sz="1000" dirty="0" err="1" smtClean="0"/>
+              <a:t>JsonP</a:t>
+            </a:r>
+            <a:r>
+              <a:rPr lang="en-US" altLang="ko-KR" sz="1000" dirty="0" smtClean="0"/>
+              <a:t> , Rest , Direct </a:t>
+            </a:r>
+            <a:r>
+              <a:rPr lang="ko-KR" altLang="en-US" sz="1000" dirty="0" smtClean="0"/>
+              <a:t>등을 지원</a:t>
+            </a:r>
+            <a:endParaRPr lang="en-US" altLang="ko-KR" sz="1000" dirty="0" smtClean="0"/>
+          </a:p>
+          <a:p>
+            <a:pPr lvl="1"/>
+            <a:r>
+              <a:rPr lang="en-US" altLang="ko-KR" sz="1400" dirty="0" smtClean="0"/>
+              <a:t>Store</a:t>
+            </a:r>
+          </a:p>
+          <a:p>
+            <a:pPr lvl="2"/>
+            <a:r>
+              <a:rPr lang="ko-KR" altLang="en-US" sz="1200" dirty="0" err="1" smtClean="0"/>
+              <a:t>클라인트</a:t>
+            </a:r>
+            <a:r>
+              <a:rPr lang="ko-KR" altLang="en-US" sz="1200" dirty="0" smtClean="0"/>
+              <a:t> 측에서의 </a:t>
+            </a:r>
+            <a:r>
+              <a:rPr lang="en-US" altLang="ko-KR" sz="1200" dirty="0" smtClean="0"/>
+              <a:t>Model </a:t>
+            </a:r>
+            <a:r>
+              <a:rPr lang="ko-KR" altLang="en-US" sz="1200" dirty="0" smtClean="0"/>
+              <a:t>정보를 캡슐화</a:t>
+            </a:r>
+            <a:endParaRPr lang="en-US" altLang="ko-KR" sz="1200" dirty="0" smtClean="0"/>
+          </a:p>
+          <a:p>
+            <a:pPr lvl="2"/>
+            <a:r>
+              <a:rPr lang="en-US" altLang="ko-KR" sz="1200" dirty="0" smtClean="0"/>
+              <a:t>Sort , Grouping , </a:t>
+            </a:r>
+            <a:r>
+              <a:rPr lang="en-US" altLang="ko-KR" sz="1200" dirty="0" err="1" smtClean="0"/>
+              <a:t>DataSync</a:t>
+            </a:r>
+            <a:r>
+              <a:rPr lang="ko-KR" altLang="en-US" sz="1200" dirty="0" smtClean="0"/>
+              <a:t>등의 역할을 담당한다</a:t>
+            </a:r>
+            <a:r>
+              <a:rPr lang="en-US" altLang="ko-KR" sz="1200" dirty="0" smtClean="0"/>
+              <a:t>.</a:t>
+            </a:r>
+          </a:p>
+          <a:p>
+            <a:pPr lvl="2"/>
+            <a:endParaRPr lang="ko-KR" altLang="en-US" sz="1200" dirty="0"/>
+          </a:p>
+        </p:txBody>
+      </p:sp>
+      <p:pic>
+        <p:nvPicPr>
+          <p:cNvPr id="4" name="그림 3"/>
+          <p:cNvPicPr>
+            <a:picLocks noChangeAspect="1"/>
+          </p:cNvPicPr>
+          <p:nvPr/>
+        </p:nvPicPr>
+        <p:blipFill>
+          <a:blip r:embed="rId2"/>
+          <a:stretch>
+            <a:fillRect/>
+          </a:stretch>
+        </p:blipFill>
+        <p:spPr>
+          <a:xfrm>
+            <a:off x="7457823" y="2808797"/>
+            <a:ext cx="4108103" cy="3377364"/>
+          </a:xfrm>
+          <a:prstGeom prst="rect">
+            <a:avLst/>
+          </a:prstGeom>
+        </p:spPr>
+      </p:pic>
+    </p:spTree>
+    <p:extLst>
+      <p:ext uri="{BB962C8B-B14F-4D97-AF65-F5344CB8AC3E}">
+        <p14:creationId xmlns:p14="http://schemas.microsoft.com/office/powerpoint/2010/main" val="2693186809"/>
+      </p:ext>
+    </p:extLst>
+  </p:cSld>
+  <p:clrMapOvr>
+    <a:masterClrMapping/>
+  </p:clrMapOvr>
+</p:sld>
+</file>
+
+<file path=ppt/slides/slide15.xml><?xml version="1.0" encoding="utf-8"?>
+<p:sld xmlns:a="http://schemas.openxmlformats.org/drawingml/2006/main" xmlns:r="http://schemas.openxmlformats.org/officeDocument/2006/relationships" xmlns:p="http://schemas.openxmlformats.org/presentationml/2006/main">
+  <p:cSld>
+    <p:spTree>
+      <p:nvGrpSpPr>
+        <p:cNvPr id="1" name=""/>
+        <p:cNvGrpSpPr/>
+        <p:nvPr/>
+      </p:nvGrpSpPr>
+      <p:grpSpPr>
+        <a:xfrm>
+          <a:off x="0" y="0"/>
+          <a:ext cx="0" cy="0"/>
+          <a:chOff x="0" y="0"/>
+          <a:chExt cx="0" cy="0"/>
+        </a:xfrm>
+      </p:grpSpPr>
+      <p:sp>
+        <p:nvSpPr>
+          <p:cNvPr id="2" name="제목 1"/>
+          <p:cNvSpPr>
+            <a:spLocks noGrp="1"/>
+          </p:cNvSpPr>
+          <p:nvPr>
+            <p:ph type="title"/>
+          </p:nvPr>
+        </p:nvSpPr>
+        <p:spPr/>
+        <p:txBody>
+          <a:bodyPr/>
+          <a:lstStyle/>
+          <a:p>
+            <a:r>
               <a:rPr lang="en-US" altLang="ko-KR" dirty="0" err="1"/>
               <a:t>Ext.app.Application</a:t>
             </a:r>
@@ -10059,7 +10901,7 @@
 </p:sld>
 </file>
 
-<file path=ppt/slides/slide14.xml><?xml version="1.0" encoding="utf-8"?>
+<file path=ppt/slides/slide16.xml><?xml version="1.0" encoding="utf-8"?>
 <p:sld xmlns:a="http://schemas.openxmlformats.org/drawingml/2006/main" xmlns:r="http://schemas.openxmlformats.org/officeDocument/2006/relationships" xmlns:p="http://schemas.openxmlformats.org/presentationml/2006/main">
   <p:cSld>
     <p:spTree>
